--- a/Documentation/AriGato Presentation #2 (1_31_2019).pptx
+++ b/Documentation/AriGato Presentation #2 (1_31_2019).pptx
@@ -25,23 +25,25 @@
     <p:sldId id="270" r:id="rId20"/>
     <p:sldId id="271" r:id="rId21"/>
     <p:sldId id="272" r:id="rId22"/>
+    <p:sldId id="273" r:id="rId23"/>
+    <p:sldId id="274" r:id="rId24"/>
   </p:sldIdLst>
   <p:sldSz cy="5143500" cx="9144000"/>
   <p:notesSz cx="6858000" cy="9144000"/>
   <p:embeddedFontLst>
     <p:embeddedFont>
       <p:font typeface="Montserrat"/>
-      <p:regular r:id="rId23"/>
-      <p:bold r:id="rId24"/>
-      <p:italic r:id="rId25"/>
-      <p:boldItalic r:id="rId26"/>
+      <p:regular r:id="rId25"/>
+      <p:bold r:id="rId26"/>
+      <p:italic r:id="rId27"/>
+      <p:boldItalic r:id="rId28"/>
     </p:embeddedFont>
     <p:embeddedFont>
       <p:font typeface="Lato"/>
-      <p:regular r:id="rId27"/>
-      <p:bold r:id="rId28"/>
-      <p:italic r:id="rId29"/>
-      <p:boldItalic r:id="rId30"/>
+      <p:regular r:id="rId29"/>
+      <p:bold r:id="rId30"/>
+      <p:italic r:id="rId31"/>
+      <p:boldItalic r:id="rId32"/>
     </p:embeddedFont>
   </p:embeddedFontLst>
   <p:defaultTextStyle>
@@ -834,7 +836,7 @@
       </p:grpSpPr>
       <p:sp>
         <p:nvSpPr>
-          <p:cNvPr id="212" name="Google Shape;212;g4e6f9e8dcb_0_24:notes"/>
+          <p:cNvPr id="212" name="Google Shape;212;g4e6f9e8dcb_0_16:notes"/>
           <p:cNvSpPr/>
           <p:nvPr>
             <p:ph idx="2" type="sldImg"/>
@@ -869,7 +871,7 @@
       </p:sp>
       <p:sp>
         <p:nvSpPr>
-          <p:cNvPr id="213" name="Google Shape;213;g4e6f9e8dcb_0_24:notes"/>
+          <p:cNvPr id="213" name="Google Shape;213;g4e6f9e8dcb_0_16:notes"/>
           <p:cNvSpPr txBox="1"/>
           <p:nvPr>
             <p:ph idx="1" type="body"/>
@@ -900,7 +902,59 @@
               <a:buNone/>
             </a:pPr>
             <a:r>
-              <a:t/>
+              <a:rPr lang="en"/>
+              <a:t>Matt Harker</a:t>
+            </a:r>
+            <a:endParaRPr/>
+          </a:p>
+          <a:p>
+            <a:pPr indent="-298450" lvl="0" marL="457200" rtl="0" algn="l">
+              <a:spcBef>
+                <a:spcPts val="0"/>
+              </a:spcBef>
+              <a:spcAft>
+                <a:spcPts val="0"/>
+              </a:spcAft>
+              <a:buSzPts val="1100"/>
+              <a:buChar char="●"/>
+            </a:pPr>
+            <a:r>
+              <a:rPr lang="en"/>
+              <a:t>Choregraphe already provides us with many boxes which we can implement into our modules. However, these tend to be fairly restrictive in how we can modify them.</a:t>
+            </a:r>
+            <a:endParaRPr/>
+          </a:p>
+          <a:p>
+            <a:pPr indent="-298450" lvl="0" marL="457200" rtl="0" algn="l">
+              <a:spcBef>
+                <a:spcPts val="0"/>
+              </a:spcBef>
+              <a:spcAft>
+                <a:spcPts val="0"/>
+              </a:spcAft>
+              <a:buSzPts val="1100"/>
+              <a:buChar char="●"/>
+            </a:pPr>
+            <a:r>
+              <a:rPr lang="en"/>
+              <a:t>Because of this, most of our work ends up in Python Boxes. Once we add a python box to the work bench, it automatically provides us with a skeleton of a program, by providing us with multiple empty functions. Currently we are really only using one function, the “On Start” function, as this is the one that runs when the box is activated in the workbench.</a:t>
+            </a:r>
+            <a:endParaRPr/>
+          </a:p>
+          <a:p>
+            <a:pPr indent="-298450" lvl="0" marL="457200" rtl="0" algn="l">
+              <a:spcBef>
+                <a:spcPts val="0"/>
+              </a:spcBef>
+              <a:spcAft>
+                <a:spcPts val="0"/>
+              </a:spcAft>
+              <a:buSzPts val="1100"/>
+              <a:buChar char="●"/>
+            </a:pPr>
+            <a:r>
+              <a:rPr lang="en"/>
+              <a:t>Once we have finished writing our code in the boxes, and linking the boxes together, we run the program selecting the play button at the top on the screen</a:t>
             </a:r>
             <a:endParaRPr/>
           </a:p>
@@ -919,7 +973,7 @@
   <p:cSld>
     <p:spTree>
       <p:nvGrpSpPr>
-        <p:cNvPr id="219" name="Shape 219"/>
+        <p:cNvPr id="221" name="Shape 221"/>
         <p:cNvGrpSpPr/>
         <p:nvPr/>
       </p:nvGrpSpPr>
@@ -933,7 +987,7 @@
       </p:grpSpPr>
       <p:sp>
         <p:nvSpPr>
-          <p:cNvPr id="220" name="Google Shape;220;g4e6f9e8dcb_0_31:notes"/>
+          <p:cNvPr id="222" name="Google Shape;222;g4e6f9e8dcb_0_31:notes"/>
           <p:cNvSpPr/>
           <p:nvPr>
             <p:ph idx="2" type="sldImg"/>
@@ -968,7 +1022,7 @@
       </p:sp>
       <p:sp>
         <p:nvSpPr>
-          <p:cNvPr id="221" name="Google Shape;221;g4e6f9e8dcb_0_31:notes"/>
+          <p:cNvPr id="223" name="Google Shape;223;g4e6f9e8dcb_0_31:notes"/>
           <p:cNvSpPr txBox="1"/>
           <p:nvPr>
             <p:ph idx="1" type="body"/>
@@ -999,7 +1053,57 @@
               <a:buNone/>
             </a:pPr>
             <a:r>
+              <a:rPr lang="en"/>
+              <a:t>Matt Harker</a:t>
+            </a:r>
+            <a:endParaRPr/>
+          </a:p>
+          <a:p>
+            <a:pPr indent="-298450" lvl="0" marL="457200" rtl="0" algn="l">
+              <a:spcBef>
+                <a:spcPts val="0"/>
+              </a:spcBef>
+              <a:spcAft>
+                <a:spcPts val="0"/>
+              </a:spcAft>
+              <a:buSzPts val="1100"/>
+              <a:buChar char="●"/>
+            </a:pPr>
+            <a:r>
+              <a:rPr lang="en"/>
+              <a:t>This is an example of a Hello World program done in one of the Python boxes, with the most relevant part highlighted. This program will have the robot say the phrase “Hello world”</a:t>
+            </a:r>
+            <a:endParaRPr/>
+          </a:p>
+          <a:p>
+            <a:pPr indent="-298450" lvl="0" marL="457200" rtl="0" algn="l">
+              <a:spcBef>
+                <a:spcPts val="0"/>
+              </a:spcBef>
+              <a:spcAft>
+                <a:spcPts val="0"/>
+              </a:spcAft>
+              <a:buSzPts val="1100"/>
+              <a:buChar char="●"/>
+            </a:pPr>
+            <a:r>
               <a:t/>
+            </a:r>
+            <a:endParaRPr/>
+          </a:p>
+          <a:p>
+            <a:pPr indent="0" lvl="0" marL="0" rtl="0" algn="l">
+              <a:spcBef>
+                <a:spcPts val="0"/>
+              </a:spcBef>
+              <a:spcAft>
+                <a:spcPts val="0"/>
+              </a:spcAft>
+              <a:buNone/>
+            </a:pPr>
+            <a:r>
+              <a:rPr lang="en"/>
+              <a:t>Text to speech proxy that we are using in the module</a:t>
             </a:r>
             <a:endParaRPr/>
           </a:p>
@@ -1018,7 +1122,7 @@
   <p:cSld>
     <p:spTree>
       <p:nvGrpSpPr>
-        <p:cNvPr id="228" name="Shape 228"/>
+        <p:cNvPr id="229" name="Shape 229"/>
         <p:cNvGrpSpPr/>
         <p:nvPr/>
       </p:nvGrpSpPr>
@@ -1032,7 +1136,7 @@
       </p:grpSpPr>
       <p:sp>
         <p:nvSpPr>
-          <p:cNvPr id="229" name="Google Shape;229;g4e6f9e8dcb_0_0:notes"/>
+          <p:cNvPr id="230" name="Google Shape;230;g4e6f9e8dcb_0_24:notes"/>
           <p:cNvSpPr/>
           <p:nvPr>
             <p:ph idx="2" type="sldImg"/>
@@ -1067,7 +1171,7 @@
       </p:sp>
       <p:sp>
         <p:nvSpPr>
-          <p:cNvPr id="230" name="Google Shape;230;g4e6f9e8dcb_0_0:notes"/>
+          <p:cNvPr id="231" name="Google Shape;231;g4e6f9e8dcb_0_24:notes"/>
           <p:cNvSpPr txBox="1"/>
           <p:nvPr>
             <p:ph idx="1" type="body"/>
@@ -1098,7 +1202,76 @@
               <a:buNone/>
             </a:pPr>
             <a:r>
-              <a:t/>
+              <a:rPr lang="en"/>
+              <a:t>Matt Harker</a:t>
+            </a:r>
+            <a:endParaRPr/>
+          </a:p>
+          <a:p>
+            <a:pPr indent="-298450" lvl="0" marL="457200" rtl="0" algn="l">
+              <a:spcBef>
+                <a:spcPts val="0"/>
+              </a:spcBef>
+              <a:spcAft>
+                <a:spcPts val="0"/>
+              </a:spcAft>
+              <a:buSzPts val="1100"/>
+              <a:buChar char="●"/>
+            </a:pPr>
+            <a:r>
+              <a:rPr lang="en"/>
+              <a:t>As far as getting these modules onto the robot, the process is fairly easy</a:t>
+            </a:r>
+            <a:endParaRPr/>
+          </a:p>
+          <a:p>
+            <a:pPr indent="-298450" lvl="0" marL="457200" rtl="0" algn="l">
+              <a:spcBef>
+                <a:spcPts val="0"/>
+              </a:spcBef>
+              <a:spcAft>
+                <a:spcPts val="0"/>
+              </a:spcAft>
+              <a:buSzPts val="1100"/>
+              <a:buChar char="●"/>
+            </a:pPr>
+            <a:r>
+              <a:rPr lang="en"/>
+              <a:t>First we go into the program’s properties and give it a list of Trigger Sentences. These are the phrases which will activate the program</a:t>
+            </a:r>
+            <a:endParaRPr/>
+          </a:p>
+          <a:p>
+            <a:pPr indent="-298450" lvl="0" marL="457200" rtl="0" algn="l">
+              <a:spcBef>
+                <a:spcPts val="0"/>
+              </a:spcBef>
+              <a:spcAft>
+                <a:spcPts val="0"/>
+              </a:spcAft>
+              <a:buSzPts val="1100"/>
+              <a:buChar char="●"/>
+            </a:pPr>
+            <a:r>
+              <a:rPr lang="en"/>
+              <a:t>We also modify the launch conditions to ensure the robot doesn’t accidentally activate when it is not supposed to</a:t>
+            </a:r>
+            <a:endParaRPr/>
+          </a:p>
+          <a:p>
+            <a:pPr indent="-298450" lvl="0" marL="457200" rtl="0" algn="l">
+              <a:spcBef>
+                <a:spcPts val="0"/>
+              </a:spcBef>
+              <a:spcAft>
+                <a:spcPts val="0"/>
+              </a:spcAft>
+              <a:buSzPts val="1100"/>
+              <a:buChar char="●"/>
+            </a:pPr>
+            <a:r>
+              <a:rPr lang="en"/>
+              <a:t>Finally, once this is set up, we are able to install the module to the robot with a single button press from the main choregraphe screen</a:t>
             </a:r>
             <a:endParaRPr/>
           </a:p>
@@ -1117,7 +1290,7 @@
   <p:cSld>
     <p:spTree>
       <p:nvGrpSpPr>
-        <p:cNvPr id="236" name="Shape 236"/>
+        <p:cNvPr id="238" name="Shape 238"/>
         <p:cNvGrpSpPr/>
         <p:nvPr/>
       </p:nvGrpSpPr>
@@ -1131,7 +1304,7 @@
       </p:grpSpPr>
       <p:sp>
         <p:nvSpPr>
-          <p:cNvPr id="237" name="Google Shape;237;g4e5a3680a5_1_31:notes"/>
+          <p:cNvPr id="239" name="Google Shape;239;g4e6f9e8dcb_0_0:notes"/>
           <p:cNvSpPr/>
           <p:nvPr>
             <p:ph idx="2" type="sldImg"/>
@@ -1166,7 +1339,7 @@
       </p:sp>
       <p:sp>
         <p:nvSpPr>
-          <p:cNvPr id="238" name="Google Shape;238;g4e5a3680a5_1_31:notes"/>
+          <p:cNvPr id="240" name="Google Shape;240;g4e6f9e8dcb_0_0:notes"/>
           <p:cNvSpPr txBox="1"/>
           <p:nvPr>
             <p:ph idx="1" type="body"/>
@@ -1197,56 +1370,7 @@
               <a:buNone/>
             </a:pPr>
             <a:r>
-              <a:rPr lang="en"/>
-              <a:t>Infinite loops:</a:t>
-            </a:r>
-            <a:endParaRPr/>
-          </a:p>
-          <a:p>
-            <a:pPr indent="0" lvl="0" marL="0" rtl="0" algn="l">
-              <a:spcBef>
-                <a:spcPts val="0"/>
-              </a:spcBef>
-              <a:spcAft>
-                <a:spcPts val="0"/>
-              </a:spcAft>
-              <a:buNone/>
-            </a:pPr>
-            <a:r>
-              <a:rPr lang="en"/>
-              <a:t>-angie’s 30 minute national anthem module</a:t>
-            </a:r>
-            <a:endParaRPr/>
-          </a:p>
-          <a:p>
-            <a:pPr indent="0" lvl="0" marL="0" rtl="0" algn="l">
-              <a:spcBef>
-                <a:spcPts val="0"/>
-              </a:spcBef>
-              <a:spcAft>
-                <a:spcPts val="0"/>
-              </a:spcAft>
-              <a:buNone/>
-            </a:pPr>
-            <a:r>
-              <a:rPr lang="en"/>
-              <a:t>-derek’s left foot module</a:t>
-            </a:r>
-            <a:endParaRPr/>
-          </a:p>
-          <a:p>
-            <a:pPr indent="0" lvl="0" marL="0" rtl="0" algn="l">
-              <a:spcBef>
-                <a:spcPts val="0"/>
-              </a:spcBef>
-              <a:spcAft>
-                <a:spcPts val="0"/>
-              </a:spcAft>
-              <a:buNone/>
-            </a:pPr>
-            <a:r>
-              <a:rPr lang="en"/>
-              <a:t>-angie’s face recognition module</a:t>
+              <a:t/>
             </a:r>
             <a:endParaRPr/>
           </a:p>
@@ -1265,7 +1389,7 @@
   <p:cSld>
     <p:spTree>
       <p:nvGrpSpPr>
-        <p:cNvPr id="244" name="Shape 244"/>
+        <p:cNvPr id="246" name="Shape 246"/>
         <p:cNvGrpSpPr/>
         <p:nvPr/>
       </p:nvGrpSpPr>
@@ -1279,7 +1403,7 @@
       </p:grpSpPr>
       <p:sp>
         <p:nvSpPr>
-          <p:cNvPr id="245" name="Google Shape;245;g4e5bc94497_0_19:notes"/>
+          <p:cNvPr id="247" name="Google Shape;247;g4e5a3680a5_1_31:notes"/>
           <p:cNvSpPr/>
           <p:nvPr>
             <p:ph idx="2" type="sldImg"/>
@@ -1314,7 +1438,7 @@
       </p:sp>
       <p:sp>
         <p:nvSpPr>
-          <p:cNvPr id="246" name="Google Shape;246;g4e5bc94497_0_19:notes"/>
+          <p:cNvPr id="248" name="Google Shape;248;g4e5a3680a5_1_31:notes"/>
           <p:cNvSpPr txBox="1"/>
           <p:nvPr>
             <p:ph idx="1" type="body"/>
@@ -1345,6 +1469,70 @@
               <a:buNone/>
             </a:pPr>
             <a:r>
+              <a:rPr lang="en"/>
+              <a:t>Infinite loops:</a:t>
+            </a:r>
+            <a:endParaRPr/>
+          </a:p>
+          <a:p>
+            <a:pPr indent="0" lvl="0" marL="0" rtl="0" algn="l">
+              <a:spcBef>
+                <a:spcPts val="0"/>
+              </a:spcBef>
+              <a:spcAft>
+                <a:spcPts val="0"/>
+              </a:spcAft>
+              <a:buNone/>
+            </a:pPr>
+            <a:r>
+              <a:rPr lang="en"/>
+              <a:t>-angie’s 30 minute national anthem module</a:t>
+            </a:r>
+            <a:endParaRPr/>
+          </a:p>
+          <a:p>
+            <a:pPr indent="0" lvl="0" marL="0" rtl="0" algn="l">
+              <a:spcBef>
+                <a:spcPts val="0"/>
+              </a:spcBef>
+              <a:spcAft>
+                <a:spcPts val="0"/>
+              </a:spcAft>
+              <a:buNone/>
+            </a:pPr>
+            <a:r>
+              <a:rPr lang="en"/>
+              <a:t>-derek’s left foot module</a:t>
+            </a:r>
+            <a:endParaRPr/>
+          </a:p>
+          <a:p>
+            <a:pPr indent="0" lvl="0" marL="0" rtl="0" algn="l">
+              <a:spcBef>
+                <a:spcPts val="0"/>
+              </a:spcBef>
+              <a:spcAft>
+                <a:spcPts val="0"/>
+              </a:spcAft>
+              <a:buNone/>
+            </a:pPr>
+            <a:r>
+              <a:rPr lang="en"/>
+              <a:t>-angie’s face recognition module</a:t>
+            </a:r>
+            <a:endParaRPr/>
+          </a:p>
+          <a:p>
+            <a:pPr indent="0" lvl="0" marL="0" rtl="0" algn="l">
+              <a:spcBef>
+                <a:spcPts val="0"/>
+              </a:spcBef>
+              <a:spcAft>
+                <a:spcPts val="0"/>
+              </a:spcAft>
+              <a:buNone/>
+            </a:pPr>
+            <a:r>
               <a:t/>
             </a:r>
             <a:endParaRPr/>
@@ -1364,7 +1552,7 @@
   <p:cSld>
     <p:spTree>
       <p:nvGrpSpPr>
-        <p:cNvPr id="252" name="Shape 252"/>
+        <p:cNvPr id="255" name="Shape 255"/>
         <p:cNvGrpSpPr/>
         <p:nvPr/>
       </p:nvGrpSpPr>
@@ -1378,7 +1566,7 @@
       </p:grpSpPr>
       <p:sp>
         <p:nvSpPr>
-          <p:cNvPr id="253" name="Google Shape;253;g4e5bc94497_0_27:notes"/>
+          <p:cNvPr id="256" name="Google Shape;256;g4e5bc94497_0_19:notes"/>
           <p:cNvSpPr/>
           <p:nvPr>
             <p:ph idx="2" type="sldImg"/>
@@ -1413,7 +1601,7 @@
       </p:sp>
       <p:sp>
         <p:nvSpPr>
-          <p:cNvPr id="254" name="Google Shape;254;g4e5bc94497_0_27:notes"/>
+          <p:cNvPr id="257" name="Google Shape;257;g4e5bc94497_0_19:notes"/>
           <p:cNvSpPr txBox="1"/>
           <p:nvPr>
             <p:ph idx="1" type="body"/>
@@ -1463,7 +1651,7 @@
   <p:cSld>
     <p:spTree>
       <p:nvGrpSpPr>
-        <p:cNvPr id="260" name="Shape 260"/>
+        <p:cNvPr id="263" name="Shape 263"/>
         <p:cNvGrpSpPr/>
         <p:nvPr/>
       </p:nvGrpSpPr>
@@ -1477,7 +1665,7 @@
       </p:grpSpPr>
       <p:sp>
         <p:nvSpPr>
-          <p:cNvPr id="261" name="Google Shape;261;g4e5bc94497_0_0:notes"/>
+          <p:cNvPr id="264" name="Google Shape;264;g4e5bc94497_0_27:notes"/>
           <p:cNvSpPr/>
           <p:nvPr>
             <p:ph idx="2" type="sldImg"/>
@@ -1512,7 +1700,7 @@
       </p:sp>
       <p:sp>
         <p:nvSpPr>
-          <p:cNvPr id="262" name="Google Shape;262;g4e5bc94497_0_0:notes"/>
+          <p:cNvPr id="265" name="Google Shape;265;g4e5bc94497_0_27:notes"/>
           <p:cNvSpPr txBox="1"/>
           <p:nvPr>
             <p:ph idx="1" type="body"/>
@@ -1562,7 +1750,7 @@
   <p:cSld>
     <p:spTree>
       <p:nvGrpSpPr>
-        <p:cNvPr id="268" name="Shape 268"/>
+        <p:cNvPr id="271" name="Shape 271"/>
         <p:cNvGrpSpPr/>
         <p:nvPr/>
       </p:nvGrpSpPr>
@@ -1576,7 +1764,7 @@
       </p:grpSpPr>
       <p:sp>
         <p:nvSpPr>
-          <p:cNvPr id="269" name="Google Shape;269;g4e5bc94497_0_9:notes"/>
+          <p:cNvPr id="272" name="Google Shape;272;g4e7cdcb120_0_10:notes"/>
           <p:cNvSpPr/>
           <p:nvPr>
             <p:ph idx="2" type="sldImg"/>
@@ -1611,7 +1799,205 @@
       </p:sp>
       <p:sp>
         <p:nvSpPr>
-          <p:cNvPr id="270" name="Google Shape;270;g4e5bc94497_0_9:notes"/>
+          <p:cNvPr id="273" name="Google Shape;273;g4e7cdcb120_0_10:notes"/>
+          <p:cNvSpPr txBox="1"/>
+          <p:nvPr>
+            <p:ph idx="1" type="body"/>
+          </p:nvPr>
+        </p:nvSpPr>
+        <p:spPr>
+          <a:xfrm>
+            <a:off x="685800" y="4343400"/>
+            <a:ext cx="5486400" cy="4114800"/>
+          </a:xfrm>
+          <a:prstGeom prst="rect">
+            <a:avLst/>
+          </a:prstGeom>
+        </p:spPr>
+        <p:txBody>
+          <a:bodyPr anchorCtr="0" anchor="t" bIns="91425" lIns="91425" spcFirstLastPara="1" rIns="91425" wrap="square" tIns="91425">
+            <a:noAutofit/>
+          </a:bodyPr>
+          <a:lstStyle/>
+          <a:p>
+            <a:pPr indent="0" lvl="0" marL="0" rtl="0" algn="l">
+              <a:spcBef>
+                <a:spcPts val="0"/>
+              </a:spcBef>
+              <a:spcAft>
+                <a:spcPts val="0"/>
+              </a:spcAft>
+              <a:buNone/>
+            </a:pPr>
+            <a:r>
+              <a:t/>
+            </a:r>
+            <a:endParaRPr/>
+          </a:p>
+        </p:txBody>
+      </p:sp>
+    </p:spTree>
+  </p:cSld>
+  <p:clrMapOvr>
+    <a:masterClrMapping/>
+  </p:clrMapOvr>
+</p:notes>
+</file>
+
+<file path=ppt/notesSlides/notesSlide18.xml><?xml version="1.0" encoding="utf-8"?>
+<p:notes xmlns:a="http://schemas.openxmlformats.org/drawingml/2006/main" xmlns:r="http://schemas.openxmlformats.org/officeDocument/2006/relationships" xmlns:mc="http://schemas.openxmlformats.org/markup-compatibility/2006" xmlns:mv="urn:schemas-microsoft-com:mac:vml" xmlns:p="http://schemas.openxmlformats.org/presentationml/2006/main" xmlns:c="http://schemas.openxmlformats.org/drawingml/2006/chart" xmlns:dgm="http://schemas.openxmlformats.org/drawingml/2006/diagram" xmlns:o="urn:schemas-microsoft-com:office:office" xmlns:v="urn:schemas-microsoft-com:vml" xmlns:pvml="urn:schemas-microsoft-com:office:powerpoint" xmlns:com="http://schemas.openxmlformats.org/drawingml/2006/compatibility" xmlns:p14="http://schemas.microsoft.com/office/powerpoint/2010/main" xmlns:p15="http://schemas.microsoft.com/office/powerpoint/2012/main" showMasterPhAnim="0" showMasterSp="0">
+  <p:cSld>
+    <p:spTree>
+      <p:nvGrpSpPr>
+        <p:cNvPr id="280" name="Shape 280"/>
+        <p:cNvGrpSpPr/>
+        <p:nvPr/>
+      </p:nvGrpSpPr>
+      <p:grpSpPr>
+        <a:xfrm>
+          <a:off x="0" y="0"/>
+          <a:ext cx="0" cy="0"/>
+          <a:chOff x="0" y="0"/>
+          <a:chExt cx="0" cy="0"/>
+        </a:xfrm>
+      </p:grpSpPr>
+      <p:sp>
+        <p:nvSpPr>
+          <p:cNvPr id="281" name="Google Shape;281;g4e5bc94497_0_0:notes"/>
+          <p:cNvSpPr/>
+          <p:nvPr>
+            <p:ph idx="2" type="sldImg"/>
+          </p:nvPr>
+        </p:nvSpPr>
+        <p:spPr>
+          <a:xfrm>
+            <a:off x="381300" y="685800"/>
+            <a:ext cx="6096000" cy="3429000"/>
+          </a:xfrm>
+          <a:custGeom>
+            <a:rect b="b" l="l" r="r" t="t"/>
+            <a:pathLst>
+              <a:path extrusionOk="0" h="120000" w="120000">
+                <a:moveTo>
+                  <a:pt x="0" y="0"/>
+                </a:moveTo>
+                <a:lnTo>
+                  <a:pt x="120000" y="0"/>
+                </a:lnTo>
+                <a:lnTo>
+                  <a:pt x="120000" y="120000"/>
+                </a:lnTo>
+                <a:lnTo>
+                  <a:pt x="0" y="120000"/>
+                </a:lnTo>
+                <a:close/>
+              </a:path>
+            </a:pathLst>
+          </a:custGeom>
+        </p:spPr>
+      </p:sp>
+      <p:sp>
+        <p:nvSpPr>
+          <p:cNvPr id="282" name="Google Shape;282;g4e5bc94497_0_0:notes"/>
+          <p:cNvSpPr txBox="1"/>
+          <p:nvPr>
+            <p:ph idx="1" type="body"/>
+          </p:nvPr>
+        </p:nvSpPr>
+        <p:spPr>
+          <a:xfrm>
+            <a:off x="685800" y="4343400"/>
+            <a:ext cx="5486400" cy="4114800"/>
+          </a:xfrm>
+          <a:prstGeom prst="rect">
+            <a:avLst/>
+          </a:prstGeom>
+        </p:spPr>
+        <p:txBody>
+          <a:bodyPr anchorCtr="0" anchor="t" bIns="91425" lIns="91425" spcFirstLastPara="1" rIns="91425" wrap="square" tIns="91425">
+            <a:noAutofit/>
+          </a:bodyPr>
+          <a:lstStyle/>
+          <a:p>
+            <a:pPr indent="0" lvl="0" marL="0" rtl="0" algn="l">
+              <a:spcBef>
+                <a:spcPts val="0"/>
+              </a:spcBef>
+              <a:spcAft>
+                <a:spcPts val="0"/>
+              </a:spcAft>
+              <a:buNone/>
+            </a:pPr>
+            <a:r>
+              <a:t/>
+            </a:r>
+            <a:endParaRPr/>
+          </a:p>
+        </p:txBody>
+      </p:sp>
+    </p:spTree>
+  </p:cSld>
+  <p:clrMapOvr>
+    <a:masterClrMapping/>
+  </p:clrMapOvr>
+</p:notes>
+</file>
+
+<file path=ppt/notesSlides/notesSlide19.xml><?xml version="1.0" encoding="utf-8"?>
+<p:notes xmlns:a="http://schemas.openxmlformats.org/drawingml/2006/main" xmlns:r="http://schemas.openxmlformats.org/officeDocument/2006/relationships" xmlns:mc="http://schemas.openxmlformats.org/markup-compatibility/2006" xmlns:mv="urn:schemas-microsoft-com:mac:vml" xmlns:p="http://schemas.openxmlformats.org/presentationml/2006/main" xmlns:c="http://schemas.openxmlformats.org/drawingml/2006/chart" xmlns:dgm="http://schemas.openxmlformats.org/drawingml/2006/diagram" xmlns:o="urn:schemas-microsoft-com:office:office" xmlns:v="urn:schemas-microsoft-com:vml" xmlns:pvml="urn:schemas-microsoft-com:office:powerpoint" xmlns:com="http://schemas.openxmlformats.org/drawingml/2006/compatibility" xmlns:p14="http://schemas.microsoft.com/office/powerpoint/2010/main" xmlns:p15="http://schemas.microsoft.com/office/powerpoint/2012/main" showMasterPhAnim="0" showMasterSp="0">
+  <p:cSld>
+    <p:spTree>
+      <p:nvGrpSpPr>
+        <p:cNvPr id="288" name="Shape 288"/>
+        <p:cNvGrpSpPr/>
+        <p:nvPr/>
+      </p:nvGrpSpPr>
+      <p:grpSpPr>
+        <a:xfrm>
+          <a:off x="0" y="0"/>
+          <a:ext cx="0" cy="0"/>
+          <a:chOff x="0" y="0"/>
+          <a:chExt cx="0" cy="0"/>
+        </a:xfrm>
+      </p:grpSpPr>
+      <p:sp>
+        <p:nvSpPr>
+          <p:cNvPr id="289" name="Google Shape;289;g4e5bc94497_0_9:notes"/>
+          <p:cNvSpPr/>
+          <p:nvPr>
+            <p:ph idx="2" type="sldImg"/>
+          </p:nvPr>
+        </p:nvSpPr>
+        <p:spPr>
+          <a:xfrm>
+            <a:off x="381300" y="685800"/>
+            <a:ext cx="6096000" cy="3429000"/>
+          </a:xfrm>
+          <a:custGeom>
+            <a:rect b="b" l="l" r="r" t="t"/>
+            <a:pathLst>
+              <a:path extrusionOk="0" h="120000" w="120000">
+                <a:moveTo>
+                  <a:pt x="0" y="0"/>
+                </a:moveTo>
+                <a:lnTo>
+                  <a:pt x="120000" y="0"/>
+                </a:lnTo>
+                <a:lnTo>
+                  <a:pt x="120000" y="120000"/>
+                </a:lnTo>
+                <a:lnTo>
+                  <a:pt x="0" y="120000"/>
+                </a:lnTo>
+                <a:close/>
+              </a:path>
+            </a:pathLst>
+          </a:custGeom>
+        </p:spPr>
+      </p:sp>
+      <p:sp>
+        <p:nvSpPr>
+          <p:cNvPr id="290" name="Google Shape;290;g4e5bc94497_0_9:notes"/>
           <p:cNvSpPr txBox="1"/>
           <p:nvPr>
             <p:ph idx="1" type="body"/>
@@ -1939,7 +2325,8 @@
               <a:buNone/>
             </a:pPr>
             <a:r>
-              <a:t/>
+              <a:rPr lang="en"/>
+              <a:t>Hi I’m Angie and I’ll be talking about the past, present, and future of NAO’s capabilities.</a:t>
             </a:r>
             <a:endParaRPr/>
           </a:p>
@@ -2038,7 +2425,113 @@
               <a:buNone/>
             </a:pPr>
             <a:r>
+              <a:rPr lang="en"/>
+              <a:t>Right off the bat…</a:t>
+            </a:r>
+            <a:endParaRPr/>
+          </a:p>
+          <a:p>
+            <a:pPr indent="0" lvl="0" marL="0" rtl="0" algn="l">
+              <a:spcBef>
+                <a:spcPts val="0"/>
+              </a:spcBef>
+              <a:spcAft>
+                <a:spcPts val="0"/>
+              </a:spcAft>
+              <a:buNone/>
+            </a:pPr>
+            <a:r>
               <a:t/>
+            </a:r>
+            <a:endParaRPr/>
+          </a:p>
+          <a:p>
+            <a:pPr indent="0" lvl="0" marL="0" rtl="0" algn="l">
+              <a:spcBef>
+                <a:spcPts val="0"/>
+              </a:spcBef>
+              <a:spcAft>
+                <a:spcPts val="0"/>
+              </a:spcAft>
+              <a:buNone/>
+            </a:pPr>
+            <a:r>
+              <a:rPr lang="en"/>
+              <a:t>THE PAST.</a:t>
+            </a:r>
+            <a:endParaRPr/>
+          </a:p>
+          <a:p>
+            <a:pPr indent="0" lvl="0" marL="0" rtl="0" algn="l">
+              <a:spcBef>
+                <a:spcPts val="0"/>
+              </a:spcBef>
+              <a:spcAft>
+                <a:spcPts val="0"/>
+              </a:spcAft>
+              <a:buNone/>
+            </a:pPr>
+            <a:r>
+              <a:t/>
+            </a:r>
+            <a:endParaRPr/>
+          </a:p>
+          <a:p>
+            <a:pPr indent="0" lvl="0" marL="0" rtl="0" algn="l">
+              <a:spcBef>
+                <a:spcPts val="0"/>
+              </a:spcBef>
+              <a:spcAft>
+                <a:spcPts val="0"/>
+              </a:spcAft>
+              <a:buNone/>
+            </a:pPr>
+            <a:r>
+              <a:rPr lang="en"/>
+              <a:t>O</a:t>
+            </a:r>
+            <a:r>
+              <a:rPr lang="en"/>
+              <a:t>ur project requirements are: have NAO respond verbally and physically to various commands, use NAO’s image-based detection, and make small games using custom advanced movements. Although NAO pretty much did all of these things, we wanted to improve its interaction with humans because let’s face it -- robots are creepy. </a:t>
+            </a:r>
+            <a:endParaRPr/>
+          </a:p>
+          <a:p>
+            <a:pPr indent="0" lvl="0" marL="0" rtl="0" algn="l">
+              <a:spcBef>
+                <a:spcPts val="0"/>
+              </a:spcBef>
+              <a:spcAft>
+                <a:spcPts val="0"/>
+              </a:spcAft>
+              <a:buNone/>
+            </a:pPr>
+            <a:r>
+              <a:t/>
+            </a:r>
+            <a:endParaRPr/>
+          </a:p>
+          <a:p>
+            <a:pPr indent="0" lvl="0" marL="0" rtl="0" algn="l">
+              <a:spcBef>
+                <a:spcPts val="0"/>
+              </a:spcBef>
+              <a:spcAft>
+                <a:spcPts val="0"/>
+              </a:spcAft>
+              <a:buNone/>
+            </a:pPr>
+            <a:r>
+              <a:rPr lang="en"/>
+              <a:t>In the beginning, our NAO robot was capable of giving information about its onboard systems like: </a:t>
+            </a:r>
+            <a:r>
+              <a:rPr b="1" lang="en"/>
+              <a:t>What’s your battery level? &amp; What’s your IP address?</a:t>
+            </a:r>
+            <a:r>
+              <a:rPr lang="en"/>
+              <a:t> It was also able to say hi back when you greeted it. As for movement options, NAO could stretch its head, arms, and legs or go to the extent of doing tai chi. Also, NAO’s language options can be set to English, Japanese, or French.</a:t>
             </a:r>
             <a:endParaRPr/>
           </a:p>
@@ -2057,7 +2550,7 @@
   <p:cSld>
     <p:spTree>
       <p:nvGrpSpPr>
-        <p:cNvPr id="177" name="Shape 177"/>
+        <p:cNvPr id="178" name="Shape 178"/>
         <p:cNvGrpSpPr/>
         <p:nvPr/>
       </p:nvGrpSpPr>
@@ -2071,7 +2564,7 @@
       </p:grpSpPr>
       <p:sp>
         <p:nvSpPr>
-          <p:cNvPr id="178" name="Google Shape;178;g4e5a3680a5_1_1:notes"/>
+          <p:cNvPr id="179" name="Google Shape;179;g4e5a3680a5_1_1:notes"/>
           <p:cNvSpPr/>
           <p:nvPr>
             <p:ph idx="2" type="sldImg"/>
@@ -2106,7 +2599,7 @@
       </p:sp>
       <p:sp>
         <p:nvSpPr>
-          <p:cNvPr id="179" name="Google Shape;179;g4e5a3680a5_1_1:notes"/>
+          <p:cNvPr id="180" name="Google Shape;180;g4e5a3680a5_1_1:notes"/>
           <p:cNvSpPr txBox="1"/>
           <p:nvPr>
             <p:ph idx="1" type="body"/>
@@ -2134,10 +2627,89 @@
               <a:spcAft>
                 <a:spcPts val="0"/>
               </a:spcAft>
+              <a:buClr>
+                <a:srgbClr val="000000"/>
+              </a:buClr>
+              <a:buSzPts val="1100"/>
+              <a:buFont typeface="Arial"/>
+              <a:buNone/>
+            </a:pPr>
+            <a:r>
+              <a:rPr lang="en"/>
+              <a:t>As of present day, NAO is currently capable of an expanded pool of verbal responses. It can answer questions like </a:t>
+            </a:r>
+            <a:r>
+              <a:rPr b="1" lang="en"/>
+              <a:t>How old are you? &amp; How are you doing?</a:t>
+            </a:r>
+            <a:r>
+              <a:rPr lang="en"/>
+              <a:t> where there are multiple answers and one is randomly chosen, and it can also answer </a:t>
+            </a:r>
+            <a:r>
+              <a:rPr b="1" lang="en"/>
+              <a:t>What is the current temperature?</a:t>
+            </a:r>
+            <a:r>
+              <a:rPr lang="en"/>
+              <a:t> The program uses WiFi to access a weather app that returns Ellensburg weather.</a:t>
+            </a:r>
+            <a:endParaRPr/>
+          </a:p>
+          <a:p>
+            <a:pPr indent="0" lvl="0" marL="0" rtl="0" algn="l">
+              <a:spcBef>
+                <a:spcPts val="0"/>
+              </a:spcBef>
+              <a:spcAft>
+                <a:spcPts val="0"/>
+              </a:spcAft>
+              <a:buClr>
+                <a:srgbClr val="000000"/>
+              </a:buClr>
+              <a:buSzPts val="1100"/>
+              <a:buFont typeface="Arial"/>
               <a:buNone/>
             </a:pPr>
             <a:r>
               <a:t/>
+            </a:r>
+            <a:endParaRPr/>
+          </a:p>
+          <a:p>
+            <a:pPr indent="0" lvl="0" marL="0" rtl="0" algn="l">
+              <a:spcBef>
+                <a:spcPts val="0"/>
+              </a:spcBef>
+              <a:spcAft>
+                <a:spcPts val="0"/>
+              </a:spcAft>
+              <a:buClr>
+                <a:srgbClr val="000000"/>
+              </a:buClr>
+              <a:buSzPts val="1100"/>
+              <a:buFont typeface="Arial"/>
+              <a:buNone/>
+            </a:pPr>
+            <a:r>
+              <a:rPr lang="en"/>
+              <a:t>We also programmed modules that allow advanced movement options, so NAO can lift its left </a:t>
+            </a:r>
+            <a:r>
+              <a:rPr lang="en"/>
+              <a:t>and </a:t>
+            </a:r>
+            <a:r>
+              <a:rPr lang="en"/>
+              <a:t>right arm or raise its left and right foot. The facial recognition module is another one our team made and tested with our own faces. The robot has learned our faces and when we prompt it, NAO will greet us and say our name</a:t>
+            </a:r>
+            <a:r>
+              <a:rPr lang="en"/>
+              <a:t>. </a:t>
+            </a:r>
+            <a:r>
+              <a:rPr lang="en"/>
+              <a:t>We have also created small easter eggs like jazz hands or sing the national anthem.</a:t>
             </a:r>
             <a:endParaRPr/>
           </a:p>
@@ -2156,7 +2728,7 @@
   <p:cSld>
     <p:spTree>
       <p:nvGrpSpPr>
-        <p:cNvPr id="186" name="Shape 186"/>
+        <p:cNvPr id="187" name="Shape 187"/>
         <p:cNvGrpSpPr/>
         <p:nvPr/>
       </p:nvGrpSpPr>
@@ -2170,7 +2742,7 @@
       </p:grpSpPr>
       <p:sp>
         <p:nvSpPr>
-          <p:cNvPr id="187" name="Google Shape;187;g4e5a3680a5_1_11:notes"/>
+          <p:cNvPr id="188" name="Google Shape;188;g4e5a3680a5_1_11:notes"/>
           <p:cNvSpPr/>
           <p:nvPr>
             <p:ph idx="2" type="sldImg"/>
@@ -2205,7 +2777,7 @@
       </p:sp>
       <p:sp>
         <p:nvSpPr>
-          <p:cNvPr id="188" name="Google Shape;188;g4e5a3680a5_1_11:notes"/>
+          <p:cNvPr id="189" name="Google Shape;189;g4e5a3680a5_1_11:notes"/>
           <p:cNvSpPr txBox="1"/>
           <p:nvPr>
             <p:ph idx="1" type="body"/>
@@ -2236,7 +2808,70 @@
               <a:buNone/>
             </a:pPr>
             <a:r>
+              <a:rPr lang="en"/>
+              <a:t>Moving forward, one of the robots next steps is creating more fluid movement options and verbal commands. We’re exploring parameter parsing right now so that way the robot can parse human input into arguments, for example: if someone asks NAO to take 5 steps, 5 would be the number input. </a:t>
+            </a:r>
+            <a:endParaRPr/>
+          </a:p>
+          <a:p>
+            <a:pPr indent="0" lvl="0" marL="0" rtl="0" algn="l">
+              <a:spcBef>
+                <a:spcPts val="0"/>
+              </a:spcBef>
+              <a:spcAft>
+                <a:spcPts val="0"/>
+              </a:spcAft>
+              <a:buNone/>
+            </a:pPr>
+            <a:r>
               <a:t/>
+            </a:r>
+            <a:endParaRPr/>
+          </a:p>
+          <a:p>
+            <a:pPr indent="0" lvl="0" marL="0" rtl="0" algn="l">
+              <a:spcBef>
+                <a:spcPts val="0"/>
+              </a:spcBef>
+              <a:spcAft>
+                <a:spcPts val="0"/>
+              </a:spcAft>
+              <a:buNone/>
+            </a:pPr>
+            <a:r>
+              <a:rPr lang="en"/>
+              <a:t>More goals that we have include developing a small game for NAO like picking up a red ball; advancing the facial recognition module features so NAO can remember information about a user, store it, and use it for the next time a conversation takes place with the same user; and creating a module for emotion recognition with a caring response.</a:t>
+            </a:r>
+            <a:endParaRPr/>
+          </a:p>
+          <a:p>
+            <a:pPr indent="0" lvl="0" marL="0" rtl="0" algn="l">
+              <a:spcBef>
+                <a:spcPts val="0"/>
+              </a:spcBef>
+              <a:spcAft>
+                <a:spcPts val="0"/>
+              </a:spcAft>
+              <a:buNone/>
+            </a:pPr>
+            <a:r>
+              <a:t/>
+            </a:r>
+            <a:endParaRPr/>
+          </a:p>
+          <a:p>
+            <a:pPr indent="0" lvl="0" marL="0" rtl="0" algn="l">
+              <a:spcBef>
+                <a:spcPts val="0"/>
+              </a:spcBef>
+              <a:spcAft>
+                <a:spcPts val="0"/>
+              </a:spcAft>
+              <a:buNone/>
+            </a:pPr>
+            <a:r>
+              <a:rPr lang="en"/>
+              <a:t>Now I’ll hand it off to Matt who will talk about Coding with NAO.</a:t>
             </a:r>
             <a:endParaRPr/>
           </a:p>
@@ -2255,7 +2890,7 @@
   <p:cSld>
     <p:spTree>
       <p:nvGrpSpPr>
-        <p:cNvPr id="195" name="Shape 195"/>
+        <p:cNvPr id="196" name="Shape 196"/>
         <p:cNvGrpSpPr/>
         <p:nvPr/>
       </p:nvGrpSpPr>
@@ -2269,7 +2904,7 @@
       </p:grpSpPr>
       <p:sp>
         <p:nvSpPr>
-          <p:cNvPr id="196" name="Google Shape;196;g4e5a3680a5_1_22:notes"/>
+          <p:cNvPr id="197" name="Google Shape;197;g4e5a3680a5_1_22:notes"/>
           <p:cNvSpPr/>
           <p:nvPr>
             <p:ph idx="2" type="sldImg"/>
@@ -2304,7 +2939,7 @@
       </p:sp>
       <p:sp>
         <p:nvSpPr>
-          <p:cNvPr id="197" name="Google Shape;197;g4e5a3680a5_1_22:notes"/>
+          <p:cNvPr id="198" name="Google Shape;198;g4e5a3680a5_1_22:notes"/>
           <p:cNvSpPr txBox="1"/>
           <p:nvPr>
             <p:ph idx="1" type="body"/>
@@ -2335,7 +2970,8 @@
               <a:buNone/>
             </a:pPr>
             <a:r>
-              <a:t/>
+              <a:rPr lang="en"/>
+              <a:t>Matt Harker</a:t>
             </a:r>
             <a:endParaRPr/>
           </a:p>
@@ -2354,7 +2990,7 @@
   <p:cSld>
     <p:spTree>
       <p:nvGrpSpPr>
-        <p:cNvPr id="203" name="Shape 203"/>
+        <p:cNvPr id="204" name="Shape 204"/>
         <p:cNvGrpSpPr/>
         <p:nvPr/>
       </p:nvGrpSpPr>
@@ -2368,7 +3004,7 @@
       </p:grpSpPr>
       <p:sp>
         <p:nvSpPr>
-          <p:cNvPr id="204" name="Google Shape;204;g4e6f9e8dcb_0_16:notes"/>
+          <p:cNvPr id="205" name="Google Shape;205;g4e7cdcb120_2_0:notes"/>
           <p:cNvSpPr/>
           <p:nvPr>
             <p:ph idx="2" type="sldImg"/>
@@ -2403,7 +3039,7 @@
       </p:sp>
       <p:sp>
         <p:nvSpPr>
-          <p:cNvPr id="205" name="Google Shape;205;g4e6f9e8dcb_0_16:notes"/>
+          <p:cNvPr id="206" name="Google Shape;206;g4e7cdcb120_2_0:notes"/>
           <p:cNvSpPr txBox="1"/>
           <p:nvPr>
             <p:ph idx="1" type="body"/>
@@ -2434,7 +3070,110 @@
               <a:buNone/>
             </a:pPr>
             <a:r>
-              <a:t/>
+              <a:rPr lang="en"/>
+              <a:t>Matt Harker</a:t>
+            </a:r>
+            <a:endParaRPr/>
+          </a:p>
+          <a:p>
+            <a:pPr indent="-298450" lvl="0" marL="457200" rtl="0" algn="l">
+              <a:spcBef>
+                <a:spcPts val="0"/>
+              </a:spcBef>
+              <a:spcAft>
+                <a:spcPts val="0"/>
+              </a:spcAft>
+              <a:buSzPts val="1100"/>
+              <a:buChar char="●"/>
+            </a:pPr>
+            <a:r>
+              <a:rPr lang="en"/>
+              <a:t>This is the Choregraphe environment. This is what allows us to actually work on the robot.</a:t>
+            </a:r>
+            <a:endParaRPr/>
+          </a:p>
+          <a:p>
+            <a:pPr indent="-298450" lvl="0" marL="457200" rtl="0" algn="l">
+              <a:spcBef>
+                <a:spcPts val="0"/>
+              </a:spcBef>
+              <a:spcAft>
+                <a:spcPts val="0"/>
+              </a:spcAft>
+              <a:buSzPts val="1100"/>
+              <a:buChar char="●"/>
+            </a:pPr>
+            <a:r>
+              <a:rPr lang="en"/>
+              <a:t>This environment give us plenty of tools for us to efficiently produce code, as well as providing as much information as we need about the robot’s current state.</a:t>
+            </a:r>
+            <a:endParaRPr/>
+          </a:p>
+          <a:p>
+            <a:pPr indent="-298450" lvl="0" marL="457200" rtl="0" algn="l">
+              <a:spcBef>
+                <a:spcPts val="0"/>
+              </a:spcBef>
+              <a:spcAft>
+                <a:spcPts val="0"/>
+              </a:spcAft>
+              <a:buSzPts val="1100"/>
+              <a:buChar char="●"/>
+            </a:pPr>
+            <a:r>
+              <a:rPr lang="en"/>
+              <a:t>In the top right is a 3D representation of the robot. This display will either match what a connected physical robot’s current state is in real time, or it will display a virtual representation of what a robot would be doing.</a:t>
+            </a:r>
+            <a:endParaRPr/>
+          </a:p>
+          <a:p>
+            <a:pPr indent="-298450" lvl="0" marL="457200" rtl="0" algn="l">
+              <a:spcBef>
+                <a:spcPts val="0"/>
+              </a:spcBef>
+              <a:spcAft>
+                <a:spcPts val="0"/>
+              </a:spcAft>
+              <a:buSzPts val="1100"/>
+              <a:buChar char="●"/>
+            </a:pPr>
+            <a:r>
+              <a:rPr lang="en"/>
+              <a:t>Below this window are two other windows which are showing More information about the current state of the machine.</a:t>
+            </a:r>
+            <a:endParaRPr/>
+          </a:p>
+          <a:p>
+            <a:pPr indent="-298450" lvl="0" marL="457200" rtl="0" algn="l">
+              <a:spcBef>
+                <a:spcPts val="0"/>
+              </a:spcBef>
+              <a:spcAft>
+                <a:spcPts val="0"/>
+              </a:spcAft>
+              <a:buSzPts val="1100"/>
+              <a:buChar char="●"/>
+            </a:pPr>
+            <a:r>
+              <a:rPr lang="en"/>
+              <a:t>To the left and up of these is the workbench, where different “boxes” are connected together, and I will talk more in depth about these boxes soon.</a:t>
+            </a:r>
+            <a:endParaRPr/>
+          </a:p>
+          <a:p>
+            <a:pPr indent="-298450" lvl="0" marL="457200" rtl="0" algn="l">
+              <a:spcBef>
+                <a:spcPts val="0"/>
+              </a:spcBef>
+              <a:spcAft>
+                <a:spcPts val="0"/>
+              </a:spcAft>
+              <a:buSzPts val="1100"/>
+              <a:buChar char="●"/>
+            </a:pPr>
+            <a:r>
+              <a:rPr lang="en"/>
+              <a:t>Below these boxes is the built in IDE, which is where most of our work is currently being done.</a:t>
             </a:r>
             <a:endParaRPr/>
           </a:p>
@@ -10975,7 +11714,11 @@
             </a:pPr>
             <a:r>
               <a:rPr lang="en"/>
-              <a:t>Steps for Creating a NAO module (cont.):</a:t>
+              <a:t>Steps for </a:t>
+            </a:r>
+            <a:r>
+              <a:rPr lang="en"/>
+              <a:t>Creating a Module:</a:t>
             </a:r>
             <a:endParaRPr/>
           </a:p>
@@ -10991,8 +11734,8 @@
         </p:nvSpPr>
         <p:spPr>
           <a:xfrm>
-            <a:off x="1297500" y="1054625"/>
-            <a:ext cx="7439100" cy="4006200"/>
+            <a:off x="986125" y="1054625"/>
+            <a:ext cx="3585900" cy="4006200"/>
           </a:xfrm>
           <a:prstGeom prst="rect">
             <a:avLst/>
@@ -11022,7 +11765,7 @@
                 <a:cs typeface="Arial"/>
                 <a:sym typeface="Arial"/>
               </a:rPr>
-              <a:t>Module will either be ran on a simulated NAO robot, or a physical robot connected via Ethernet.</a:t>
+              <a:t>Many boxes with simple functions are provided</a:t>
             </a:r>
             <a:endParaRPr sz="2000">
               <a:latin typeface="Arial"/>
@@ -11070,7 +11813,7 @@
                 <a:cs typeface="Arial"/>
                 <a:sym typeface="Arial"/>
               </a:rPr>
-              <a:t>The project properties menu allows us to set trigger and response phrases.</a:t>
+              <a:t>Create a new Python box in the workbench</a:t>
             </a:r>
             <a:endParaRPr sz="2000">
               <a:latin typeface="Arial"/>
@@ -11118,7 +11861,7 @@
                 <a:cs typeface="Arial"/>
                 <a:sym typeface="Arial"/>
               </a:rPr>
-              <a:t>Installing a module to NAO is as simple as pressing “Install to robot” in Choregraphe while NAO is connected.</a:t>
+              <a:t>Creates a template for us to modify</a:t>
             </a:r>
             <a:endParaRPr sz="2000">
               <a:latin typeface="Arial"/>
@@ -11139,6 +11882,43 @@
             </a:pPr>
             <a:r>
               <a:t/>
+            </a:r>
+            <a:endParaRPr sz="2000">
+              <a:latin typeface="Arial"/>
+              <a:ea typeface="Arial"/>
+              <a:cs typeface="Arial"/>
+              <a:sym typeface="Arial"/>
+            </a:endParaRPr>
+          </a:p>
+          <a:p>
+            <a:pPr indent="-355600" lvl="0" marL="457200" rtl="0" algn="l">
+              <a:spcBef>
+                <a:spcPts val="0"/>
+              </a:spcBef>
+              <a:spcAft>
+                <a:spcPts val="0"/>
+              </a:spcAft>
+              <a:buSzPts val="2000"/>
+              <a:buFont typeface="Arial"/>
+              <a:buChar char="●"/>
+            </a:pPr>
+            <a:r>
+              <a:rPr lang="en" sz="2000">
+                <a:latin typeface="Arial"/>
+                <a:ea typeface="Arial"/>
+                <a:cs typeface="Arial"/>
+                <a:sym typeface="Arial"/>
+              </a:rPr>
+              <a:t>P</a:t>
+            </a:r>
+            <a:r>
+              <a:rPr lang="en" sz="2000">
+                <a:latin typeface="Arial"/>
+                <a:ea typeface="Arial"/>
+                <a:cs typeface="Arial"/>
+                <a:sym typeface="Arial"/>
+              </a:rPr>
+              <a:t>ress “Play”</a:t>
             </a:r>
             <a:endParaRPr sz="2000">
               <a:latin typeface="Arial"/>
@@ -11234,6 +12014,66 @@
           </a:p>
         </p:txBody>
       </p:sp>
+      <p:pic>
+        <p:nvPicPr>
+          <p:cNvPr id="219" name="Google Shape;219;p22"/>
+          <p:cNvPicPr preferRelativeResize="0"/>
+          <p:nvPr/>
+        </p:nvPicPr>
+        <p:blipFill rotWithShape="1">
+          <a:blip r:embed="rId4">
+            <a:alphaModFix/>
+          </a:blip>
+          <a:srcRect b="0" l="0" r="42795" t="58336"/>
+          <a:stretch/>
+        </p:blipFill>
+        <p:spPr>
+          <a:xfrm>
+            <a:off x="4736950" y="2880572"/>
+            <a:ext cx="3760925" cy="1438253"/>
+          </a:xfrm>
+          <a:prstGeom prst="rect">
+            <a:avLst/>
+          </a:prstGeom>
+          <a:noFill/>
+          <a:ln>
+            <a:noFill/>
+          </a:ln>
+        </p:spPr>
+      </p:pic>
+      <p:pic>
+        <p:nvPicPr>
+          <p:cNvPr id="220" name="Google Shape;220;p22"/>
+          <p:cNvPicPr preferRelativeResize="0"/>
+          <p:nvPr/>
+        </p:nvPicPr>
+        <p:blipFill rotWithShape="1">
+          <a:blip r:embed="rId5">
+            <a:alphaModFix/>
+          </a:blip>
+          <a:srcRect b="48086" l="16951" r="29183" t="13453"/>
+          <a:stretch/>
+        </p:blipFill>
+        <p:spPr>
+          <a:xfrm>
+            <a:off x="4736950" y="1111175"/>
+            <a:ext cx="3760925" cy="1510518"/>
+          </a:xfrm>
+          <a:prstGeom prst="rect">
+            <a:avLst/>
+          </a:prstGeom>
+          <a:noFill/>
+          <a:ln cap="flat" cmpd="sng" w="9525">
+            <a:solidFill>
+              <a:srgbClr val="000000"/>
+            </a:solidFill>
+            <a:prstDash val="solid"/>
+            <a:round/>
+            <a:headEnd len="sm" w="sm" type="none"/>
+            <a:tailEnd len="sm" w="sm" type="none"/>
+          </a:ln>
+        </p:spPr>
+      </p:pic>
     </p:spTree>
   </p:cSld>
   <p:clrMapOvr>
@@ -11247,7 +12087,7 @@
   <p:cSld>
     <p:spTree>
       <p:nvGrpSpPr>
-        <p:cNvPr id="222" name="Shape 222"/>
+        <p:cNvPr id="224" name="Shape 224"/>
         <p:cNvGrpSpPr/>
         <p:nvPr/>
       </p:nvGrpSpPr>
@@ -11259,165 +12099,9 @@
           <a:chExt cx="0" cy="0"/>
         </a:xfrm>
       </p:grpSpPr>
-      <p:pic>
-        <p:nvPicPr>
-          <p:cNvPr id="223" name="Google Shape;223;p23"/>
-          <p:cNvPicPr preferRelativeResize="0"/>
-          <p:nvPr/>
-        </p:nvPicPr>
-        <p:blipFill>
-          <a:blip r:embed="rId3">
-            <a:alphaModFix/>
-          </a:blip>
-          <a:stretch>
-            <a:fillRect/>
-          </a:stretch>
-        </p:blipFill>
-        <p:spPr>
-          <a:xfrm>
-            <a:off x="2790488" y="107300"/>
-            <a:ext cx="4388201" cy="1678125"/>
-          </a:xfrm>
-          <a:prstGeom prst="rect">
-            <a:avLst/>
-          </a:prstGeom>
-          <a:noFill/>
-          <a:ln>
-            <a:noFill/>
-          </a:ln>
-        </p:spPr>
-      </p:pic>
-      <p:pic>
-        <p:nvPicPr>
-          <p:cNvPr id="224" name="Google Shape;224;p23"/>
-          <p:cNvPicPr preferRelativeResize="0"/>
-          <p:nvPr/>
-        </p:nvPicPr>
-        <p:blipFill>
-          <a:blip r:embed="rId4">
-            <a:alphaModFix/>
-          </a:blip>
-          <a:stretch>
-            <a:fillRect/>
-          </a:stretch>
-        </p:blipFill>
-        <p:spPr>
-          <a:xfrm>
-            <a:off x="291013" y="1883575"/>
-            <a:ext cx="5880875" cy="3087850"/>
-          </a:xfrm>
-          <a:prstGeom prst="rect">
-            <a:avLst/>
-          </a:prstGeom>
-          <a:noFill/>
-          <a:ln>
-            <a:noFill/>
-          </a:ln>
-        </p:spPr>
-      </p:pic>
       <p:sp>
         <p:nvSpPr>
           <p:cNvPr id="225" name="Google Shape;225;p23"/>
-          <p:cNvSpPr txBox="1"/>
-          <p:nvPr/>
-        </p:nvSpPr>
-        <p:spPr>
-          <a:xfrm>
-            <a:off x="1405400" y="681888"/>
-            <a:ext cx="1492500" cy="528900"/>
-          </a:xfrm>
-          <a:prstGeom prst="rect">
-            <a:avLst/>
-          </a:prstGeom>
-          <a:noFill/>
-          <a:ln>
-            <a:noFill/>
-          </a:ln>
-        </p:spPr>
-        <p:txBody>
-          <a:bodyPr anchorCtr="0" anchor="t" bIns="91425" lIns="91425" spcFirstLastPara="1" rIns="91425" wrap="square" tIns="91425">
-            <a:noAutofit/>
-          </a:bodyPr>
-          <a:lstStyle/>
-          <a:p>
-            <a:pPr indent="0" lvl="0" marL="0" rtl="0" algn="l">
-              <a:spcBef>
-                <a:spcPts val="0"/>
-              </a:spcBef>
-              <a:spcAft>
-                <a:spcPts val="0"/>
-              </a:spcAft>
-              <a:buNone/>
-            </a:pPr>
-            <a:r>
-              <a:rPr lang="en">
-                <a:solidFill>
-                  <a:srgbClr val="FFFFFF"/>
-                </a:solidFill>
-              </a:rPr>
-              <a:t>Python “Box”</a:t>
-            </a:r>
-            <a:endParaRPr>
-              <a:solidFill>
-                <a:srgbClr val="FFFFFF"/>
-              </a:solidFill>
-            </a:endParaRPr>
-          </a:p>
-        </p:txBody>
-      </p:sp>
-      <p:sp>
-        <p:nvSpPr>
-          <p:cNvPr id="226" name="Google Shape;226;p23"/>
-          <p:cNvSpPr txBox="1"/>
-          <p:nvPr/>
-        </p:nvSpPr>
-        <p:spPr>
-          <a:xfrm>
-            <a:off x="6287600" y="3163050"/>
-            <a:ext cx="2347800" cy="528900"/>
-          </a:xfrm>
-          <a:prstGeom prst="rect">
-            <a:avLst/>
-          </a:prstGeom>
-          <a:noFill/>
-          <a:ln>
-            <a:noFill/>
-          </a:ln>
-        </p:spPr>
-        <p:txBody>
-          <a:bodyPr anchorCtr="0" anchor="t" bIns="91425" lIns="91425" spcFirstLastPara="1" rIns="91425" wrap="square" tIns="91425">
-            <a:noAutofit/>
-          </a:bodyPr>
-          <a:lstStyle/>
-          <a:p>
-            <a:pPr indent="0" lvl="0" marL="0" rtl="0" algn="l">
-              <a:spcBef>
-                <a:spcPts val="0"/>
-              </a:spcBef>
-              <a:spcAft>
-                <a:spcPts val="0"/>
-              </a:spcAft>
-              <a:buNone/>
-            </a:pPr>
-            <a:r>
-              <a:rPr lang="en">
-                <a:solidFill>
-                  <a:srgbClr val="FFFFFF"/>
-                </a:solidFill>
-              </a:rPr>
-              <a:t>Basic text-to-speech script</a:t>
-            </a:r>
-            <a:endParaRPr>
-              <a:solidFill>
-                <a:srgbClr val="FFFFFF"/>
-              </a:solidFill>
-            </a:endParaRPr>
-          </a:p>
-        </p:txBody>
-      </p:sp>
-      <p:sp>
-        <p:nvSpPr>
-          <p:cNvPr id="227" name="Google Shape;227;p23"/>
           <p:cNvSpPr txBox="1"/>
           <p:nvPr>
             <p:ph idx="1" type="body"/>
@@ -11472,6 +12156,121 @@
           </a:p>
         </p:txBody>
       </p:sp>
+      <p:pic>
+        <p:nvPicPr>
+          <p:cNvPr id="226" name="Google Shape;226;p23"/>
+          <p:cNvPicPr preferRelativeResize="0"/>
+          <p:nvPr/>
+        </p:nvPicPr>
+        <p:blipFill>
+          <a:blip r:embed="rId3">
+            <a:alphaModFix/>
+          </a:blip>
+          <a:stretch>
+            <a:fillRect/>
+          </a:stretch>
+        </p:blipFill>
+        <p:spPr>
+          <a:xfrm>
+            <a:off x="1052550" y="1014447"/>
+            <a:ext cx="7038900" cy="3695906"/>
+          </a:xfrm>
+          <a:prstGeom prst="rect">
+            <a:avLst/>
+          </a:prstGeom>
+          <a:noFill/>
+          <a:ln>
+            <a:noFill/>
+          </a:ln>
+        </p:spPr>
+      </p:pic>
+      <p:sp>
+        <p:nvSpPr>
+          <p:cNvPr id="227" name="Google Shape;227;p23"/>
+          <p:cNvSpPr/>
+          <p:nvPr/>
+        </p:nvSpPr>
+        <p:spPr>
+          <a:xfrm>
+            <a:off x="1726000" y="3387875"/>
+            <a:ext cx="2773200" cy="644400"/>
+          </a:xfrm>
+          <a:prstGeom prst="rect">
+            <a:avLst/>
+          </a:prstGeom>
+          <a:noFill/>
+          <a:ln cap="flat" cmpd="sng" w="28575">
+            <a:solidFill>
+              <a:srgbClr val="FF0000"/>
+            </a:solidFill>
+            <a:prstDash val="solid"/>
+            <a:round/>
+            <a:headEnd len="sm" w="sm" type="none"/>
+            <a:tailEnd len="sm" w="sm" type="none"/>
+          </a:ln>
+        </p:spPr>
+        <p:txBody>
+          <a:bodyPr anchorCtr="0" anchor="ctr" bIns="91425" lIns="91425" spcFirstLastPara="1" rIns="91425" wrap="square" tIns="91425">
+            <a:noAutofit/>
+          </a:bodyPr>
+          <a:lstStyle/>
+          <a:p>
+            <a:pPr indent="0" lvl="0" marL="0" rtl="0" algn="l">
+              <a:spcBef>
+                <a:spcPts val="0"/>
+              </a:spcBef>
+              <a:spcAft>
+                <a:spcPts val="0"/>
+              </a:spcAft>
+              <a:buNone/>
+            </a:pPr>
+            <a:r>
+              <a:t/>
+            </a:r>
+            <a:endParaRPr/>
+          </a:p>
+        </p:txBody>
+      </p:sp>
+      <p:sp>
+        <p:nvSpPr>
+          <p:cNvPr id="228" name="Google Shape;228;p23"/>
+          <p:cNvSpPr txBox="1"/>
+          <p:nvPr>
+            <p:ph type="title"/>
+          </p:nvPr>
+        </p:nvSpPr>
+        <p:spPr>
+          <a:xfrm>
+            <a:off x="1297500" y="393750"/>
+            <a:ext cx="7038900" cy="914100"/>
+          </a:xfrm>
+          <a:prstGeom prst="rect">
+            <a:avLst/>
+          </a:prstGeom>
+        </p:spPr>
+        <p:txBody>
+          <a:bodyPr anchorCtr="0" anchor="t" bIns="91425" lIns="91425" spcFirstLastPara="1" rIns="91425" wrap="square" tIns="91425">
+            <a:noAutofit/>
+          </a:bodyPr>
+          <a:lstStyle/>
+          <a:p>
+            <a:pPr indent="0" lvl="0" marL="0" rtl="0" algn="l">
+              <a:spcBef>
+                <a:spcPts val="0"/>
+              </a:spcBef>
+              <a:spcAft>
+                <a:spcPts val="0"/>
+              </a:spcAft>
+              <a:buNone/>
+            </a:pPr>
+            <a:r>
+              <a:rPr lang="en"/>
+              <a:t>Example Hello World Function</a:t>
+            </a:r>
+            <a:endParaRPr/>
+          </a:p>
+        </p:txBody>
+      </p:sp>
     </p:spTree>
   </p:cSld>
   <p:clrMapOvr>
@@ -11485,7 +12284,7 @@
   <p:cSld>
     <p:spTree>
       <p:nvGrpSpPr>
-        <p:cNvPr id="231" name="Shape 231"/>
+        <p:cNvPr id="232" name="Shape 232"/>
         <p:cNvGrpSpPr/>
         <p:nvPr/>
       </p:nvGrpSpPr>
@@ -11499,16 +12298,16 @@
       </p:grpSpPr>
       <p:sp>
         <p:nvSpPr>
-          <p:cNvPr id="232" name="Google Shape;232;p24"/>
+          <p:cNvPr id="233" name="Google Shape;233;p24"/>
           <p:cNvSpPr txBox="1"/>
           <p:nvPr>
-            <p:ph idx="1" type="subTitle"/>
+            <p:ph type="title"/>
           </p:nvPr>
         </p:nvSpPr>
         <p:spPr>
           <a:xfrm>
-            <a:off x="5531650" y="360738"/>
-            <a:ext cx="2742600" cy="888900"/>
+            <a:off x="1297500" y="393750"/>
+            <a:ext cx="7038900" cy="914100"/>
           </a:xfrm>
           <a:prstGeom prst="rect">
             <a:avLst/>
@@ -11520,42 +12319,174 @@
           </a:bodyPr>
           <a:lstStyle/>
           <a:p>
-            <a:pPr indent="0" lvl="0" marL="0" rtl="0" algn="ctr">
-              <a:spcBef>
-                <a:spcPts val="0"/>
-              </a:spcBef>
-              <a:spcAft>
-                <a:spcPts val="0"/>
-              </a:spcAft>
-              <a:buNone/>
-            </a:pPr>
-            <a:r>
-              <a:rPr lang="en" sz="3000"/>
-              <a:t>Problems </a:t>
-            </a:r>
-            <a:endParaRPr sz="3000"/>
-          </a:p>
-          <a:p>
-            <a:pPr indent="0" lvl="0" marL="0" rtl="0" algn="ctr">
-              <a:spcBef>
-                <a:spcPts val="0"/>
-              </a:spcBef>
-              <a:spcAft>
-                <a:spcPts val="0"/>
-              </a:spcAft>
-              <a:buNone/>
-            </a:pPr>
-            <a:r>
-              <a:rPr lang="en" sz="3000"/>
-              <a:t>Encountered</a:t>
-            </a:r>
-            <a:endParaRPr sz="3000"/>
+            <a:pPr indent="0" lvl="0" marL="0" rtl="0" algn="l">
+              <a:spcBef>
+                <a:spcPts val="0"/>
+              </a:spcBef>
+              <a:spcAft>
+                <a:spcPts val="0"/>
+              </a:spcAft>
+              <a:buNone/>
+            </a:pPr>
+            <a:r>
+              <a:rPr lang="en"/>
+              <a:t>Steps for Creating a NAO module (cont.):</a:t>
+            </a:r>
+            <a:endParaRPr/>
+          </a:p>
+        </p:txBody>
+      </p:sp>
+      <p:sp>
+        <p:nvSpPr>
+          <p:cNvPr id="234" name="Google Shape;234;p24"/>
+          <p:cNvSpPr txBox="1"/>
+          <p:nvPr>
+            <p:ph idx="1" type="body"/>
+          </p:nvPr>
+        </p:nvSpPr>
+        <p:spPr>
+          <a:xfrm>
+            <a:off x="1043800" y="1043100"/>
+            <a:ext cx="4226700" cy="4006200"/>
+          </a:xfrm>
+          <a:prstGeom prst="rect">
+            <a:avLst/>
+          </a:prstGeom>
+        </p:spPr>
+        <p:txBody>
+          <a:bodyPr anchorCtr="0" anchor="t" bIns="91425" lIns="91425" spcFirstLastPara="1" rIns="91425" wrap="square" tIns="91425">
+            <a:noAutofit/>
+          </a:bodyPr>
+          <a:lstStyle/>
+          <a:p>
+            <a:pPr indent="-355600" lvl="0" marL="457200" rtl="0" algn="l">
+              <a:spcBef>
+                <a:spcPts val="0"/>
+              </a:spcBef>
+              <a:spcAft>
+                <a:spcPts val="0"/>
+              </a:spcAft>
+              <a:buSzPts val="2000"/>
+              <a:buFont typeface="Arial"/>
+              <a:buChar char="●"/>
+            </a:pPr>
+            <a:r>
+              <a:rPr lang="en" sz="2000">
+                <a:latin typeface="Arial"/>
+                <a:ea typeface="Arial"/>
+                <a:cs typeface="Arial"/>
+                <a:sym typeface="Arial"/>
+              </a:rPr>
+              <a:t>Ability to set up trigger and response phrases.</a:t>
+            </a:r>
+            <a:endParaRPr sz="2000">
+              <a:latin typeface="Arial"/>
+              <a:ea typeface="Arial"/>
+              <a:cs typeface="Arial"/>
+              <a:sym typeface="Arial"/>
+            </a:endParaRPr>
+          </a:p>
+          <a:p>
+            <a:pPr indent="0" lvl="0" marL="457200" rtl="0" algn="l">
+              <a:spcBef>
+                <a:spcPts val="0"/>
+              </a:spcBef>
+              <a:spcAft>
+                <a:spcPts val="0"/>
+              </a:spcAft>
+              <a:buNone/>
+            </a:pPr>
+            <a:r>
+              <a:t/>
+            </a:r>
+            <a:endParaRPr sz="2000">
+              <a:latin typeface="Arial"/>
+              <a:ea typeface="Arial"/>
+              <a:cs typeface="Arial"/>
+              <a:sym typeface="Arial"/>
+            </a:endParaRPr>
+          </a:p>
+          <a:p>
+            <a:pPr indent="-355600" lvl="0" marL="457200" rtl="0" algn="l">
+              <a:spcBef>
+                <a:spcPts val="0"/>
+              </a:spcBef>
+              <a:spcAft>
+                <a:spcPts val="0"/>
+              </a:spcAft>
+              <a:buSzPts val="2000"/>
+              <a:buFont typeface="Arial"/>
+              <a:buChar char="●"/>
+            </a:pPr>
+            <a:r>
+              <a:rPr lang="en" sz="2000">
+                <a:latin typeface="Arial"/>
+                <a:ea typeface="Arial"/>
+                <a:cs typeface="Arial"/>
+                <a:sym typeface="Arial"/>
+              </a:rPr>
+              <a:t>Install modules by selecting “Install to robot” while connected to the computer.</a:t>
+            </a:r>
+            <a:endParaRPr sz="2000">
+              <a:latin typeface="Arial"/>
+              <a:ea typeface="Arial"/>
+              <a:cs typeface="Arial"/>
+              <a:sym typeface="Arial"/>
+            </a:endParaRPr>
+          </a:p>
+          <a:p>
+            <a:pPr indent="0" lvl="0" marL="457200" rtl="0" algn="l">
+              <a:spcBef>
+                <a:spcPts val="0"/>
+              </a:spcBef>
+              <a:spcAft>
+                <a:spcPts val="0"/>
+              </a:spcAft>
+              <a:buNone/>
+            </a:pPr>
+            <a:r>
+              <a:t/>
+            </a:r>
+            <a:endParaRPr sz="2000">
+              <a:latin typeface="Arial"/>
+              <a:ea typeface="Arial"/>
+              <a:cs typeface="Arial"/>
+              <a:sym typeface="Arial"/>
+            </a:endParaRPr>
+          </a:p>
+          <a:p>
+            <a:pPr indent="-355600" lvl="0" marL="457200" rtl="0" algn="l">
+              <a:spcBef>
+                <a:spcPts val="0"/>
+              </a:spcBef>
+              <a:spcAft>
+                <a:spcPts val="0"/>
+              </a:spcAft>
+              <a:buSzPts val="2000"/>
+              <a:buFont typeface="Arial"/>
+              <a:buChar char="●"/>
+            </a:pPr>
+            <a:r>
+              <a:rPr lang="en" sz="2000">
+                <a:latin typeface="Arial"/>
+                <a:ea typeface="Arial"/>
+                <a:cs typeface="Arial"/>
+                <a:sym typeface="Arial"/>
+              </a:rPr>
+              <a:t>Allows programs to run independent of Choregraphe</a:t>
+            </a:r>
+            <a:endParaRPr sz="2000">
+              <a:latin typeface="Arial"/>
+              <a:ea typeface="Arial"/>
+              <a:cs typeface="Arial"/>
+              <a:sym typeface="Arial"/>
+            </a:endParaRPr>
           </a:p>
         </p:txBody>
       </p:sp>
       <p:pic>
         <p:nvPicPr>
-          <p:cNvPr id="233" name="Google Shape;233;p24"/>
+          <p:cNvPr id="235" name="Google Shape;235;p24"/>
           <p:cNvPicPr preferRelativeResize="0"/>
           <p:nvPr/>
         </p:nvPicPr>
@@ -11583,7 +12514,201 @@
       </p:pic>
       <p:sp>
         <p:nvSpPr>
-          <p:cNvPr id="234" name="Google Shape;234;p24"/>
+          <p:cNvPr id="236" name="Google Shape;236;p24"/>
+          <p:cNvSpPr txBox="1"/>
+          <p:nvPr>
+            <p:ph idx="1" type="body"/>
+          </p:nvPr>
+        </p:nvSpPr>
+        <p:spPr>
+          <a:xfrm>
+            <a:off x="8075700" y="0"/>
+            <a:ext cx="1068300" cy="343500"/>
+          </a:xfrm>
+          <a:prstGeom prst="rect">
+            <a:avLst/>
+          </a:prstGeom>
+        </p:spPr>
+        <p:txBody>
+          <a:bodyPr anchorCtr="0" anchor="t" bIns="91425" lIns="91425" spcFirstLastPara="1" rIns="91425" wrap="square" tIns="91425">
+            <a:noAutofit/>
+          </a:bodyPr>
+          <a:lstStyle/>
+          <a:p>
+            <a:pPr indent="0" lvl="0" marL="0" rtl="0" algn="just">
+              <a:spcBef>
+                <a:spcPts val="0"/>
+              </a:spcBef>
+              <a:spcAft>
+                <a:spcPts val="0"/>
+              </a:spcAft>
+              <a:buClr>
+                <a:srgbClr val="000000"/>
+              </a:buClr>
+              <a:buSzPts val="1100"/>
+              <a:buFont typeface="Arial"/>
+              <a:buNone/>
+            </a:pPr>
+            <a:r>
+              <a:rPr lang="en">
+                <a:solidFill>
+                  <a:srgbClr val="FFFFFF"/>
+                </a:solidFill>
+                <a:latin typeface="Arial"/>
+                <a:ea typeface="Arial"/>
+                <a:cs typeface="Arial"/>
+                <a:sym typeface="Arial"/>
+              </a:rPr>
+              <a:t>11</a:t>
+            </a:r>
+            <a:endParaRPr>
+              <a:solidFill>
+                <a:srgbClr val="FFFFFF"/>
+              </a:solidFill>
+            </a:endParaRPr>
+          </a:p>
+        </p:txBody>
+      </p:sp>
+      <p:pic>
+        <p:nvPicPr>
+          <p:cNvPr id="237" name="Google Shape;237;p24"/>
+          <p:cNvPicPr preferRelativeResize="0"/>
+          <p:nvPr/>
+        </p:nvPicPr>
+        <p:blipFill>
+          <a:blip r:embed="rId4">
+            <a:alphaModFix/>
+          </a:blip>
+          <a:stretch>
+            <a:fillRect/>
+          </a:stretch>
+        </p:blipFill>
+        <p:spPr>
+          <a:xfrm>
+            <a:off x="5038575" y="1328877"/>
+            <a:ext cx="3412650" cy="2769550"/>
+          </a:xfrm>
+          <a:prstGeom prst="rect">
+            <a:avLst/>
+          </a:prstGeom>
+          <a:noFill/>
+          <a:ln>
+            <a:noFill/>
+          </a:ln>
+        </p:spPr>
+      </p:pic>
+    </p:spTree>
+  </p:cSld>
+  <p:clrMapOvr>
+    <a:masterClrMapping/>
+  </p:clrMapOvr>
+</p:sld>
+</file>
+
+<file path=ppt/slides/slide13.xml><?xml version="1.0" encoding="utf-8"?>
+<p:sld xmlns:a="http://schemas.openxmlformats.org/drawingml/2006/main" xmlns:r="http://schemas.openxmlformats.org/officeDocument/2006/relationships" xmlns:mc="http://schemas.openxmlformats.org/markup-compatibility/2006" xmlns:mv="urn:schemas-microsoft-com:mac:vml" xmlns:p="http://schemas.openxmlformats.org/presentationml/2006/main" xmlns:c="http://schemas.openxmlformats.org/drawingml/2006/chart" xmlns:dgm="http://schemas.openxmlformats.org/drawingml/2006/diagram" xmlns:o="urn:schemas-microsoft-com:office:office" xmlns:v="urn:schemas-microsoft-com:vml" xmlns:pvml="urn:schemas-microsoft-com:office:powerpoint" xmlns:com="http://schemas.openxmlformats.org/drawingml/2006/compatibility" xmlns:p14="http://schemas.microsoft.com/office/powerpoint/2010/main" xmlns:p15="http://schemas.microsoft.com/office/powerpoint/2012/main">
+  <p:cSld>
+    <p:spTree>
+      <p:nvGrpSpPr>
+        <p:cNvPr id="241" name="Shape 241"/>
+        <p:cNvGrpSpPr/>
+        <p:nvPr/>
+      </p:nvGrpSpPr>
+      <p:grpSpPr>
+        <a:xfrm>
+          <a:off x="0" y="0"/>
+          <a:ext cx="0" cy="0"/>
+          <a:chOff x="0" y="0"/>
+          <a:chExt cx="0" cy="0"/>
+        </a:xfrm>
+      </p:grpSpPr>
+      <p:sp>
+        <p:nvSpPr>
+          <p:cNvPr id="242" name="Google Shape;242;p25"/>
+          <p:cNvSpPr txBox="1"/>
+          <p:nvPr>
+            <p:ph idx="1" type="subTitle"/>
+          </p:nvPr>
+        </p:nvSpPr>
+        <p:spPr>
+          <a:xfrm>
+            <a:off x="5531650" y="360738"/>
+            <a:ext cx="2742600" cy="888900"/>
+          </a:xfrm>
+          <a:prstGeom prst="rect">
+            <a:avLst/>
+          </a:prstGeom>
+        </p:spPr>
+        <p:txBody>
+          <a:bodyPr anchorCtr="0" anchor="t" bIns="91425" lIns="91425" spcFirstLastPara="1" rIns="91425" wrap="square" tIns="91425">
+            <a:noAutofit/>
+          </a:bodyPr>
+          <a:lstStyle/>
+          <a:p>
+            <a:pPr indent="0" lvl="0" marL="0" rtl="0" algn="ctr">
+              <a:spcBef>
+                <a:spcPts val="0"/>
+              </a:spcBef>
+              <a:spcAft>
+                <a:spcPts val="0"/>
+              </a:spcAft>
+              <a:buNone/>
+            </a:pPr>
+            <a:r>
+              <a:rPr lang="en" sz="3000"/>
+              <a:t>Problems </a:t>
+            </a:r>
+            <a:endParaRPr sz="3000"/>
+          </a:p>
+          <a:p>
+            <a:pPr indent="0" lvl="0" marL="0" rtl="0" algn="ctr">
+              <a:spcBef>
+                <a:spcPts val="0"/>
+              </a:spcBef>
+              <a:spcAft>
+                <a:spcPts val="0"/>
+              </a:spcAft>
+              <a:buNone/>
+            </a:pPr>
+            <a:r>
+              <a:rPr lang="en" sz="3000"/>
+              <a:t>Encountered</a:t>
+            </a:r>
+            <a:endParaRPr sz="3000"/>
+          </a:p>
+        </p:txBody>
+      </p:sp>
+      <p:pic>
+        <p:nvPicPr>
+          <p:cNvPr id="243" name="Google Shape;243;p25"/>
+          <p:cNvPicPr preferRelativeResize="0"/>
+          <p:nvPr/>
+        </p:nvPicPr>
+        <p:blipFill>
+          <a:blip r:embed="rId3">
+            <a:alphaModFix/>
+          </a:blip>
+          <a:stretch>
+            <a:fillRect/>
+          </a:stretch>
+        </p:blipFill>
+        <p:spPr>
+          <a:xfrm>
+            <a:off x="7532575" y="4098425"/>
+            <a:ext cx="1917650" cy="1438251"/>
+          </a:xfrm>
+          <a:prstGeom prst="rect">
+            <a:avLst/>
+          </a:prstGeom>
+          <a:noFill/>
+          <a:ln>
+            <a:noFill/>
+          </a:ln>
+        </p:spPr>
+      </p:pic>
+      <p:sp>
+        <p:nvSpPr>
+          <p:cNvPr id="244" name="Google Shape;244;p25"/>
           <p:cNvSpPr txBox="1"/>
           <p:nvPr>
             <p:ph idx="4294967295" type="body"/>
@@ -11628,7 +12753,7 @@
                 <a:cs typeface="Arial"/>
                 <a:sym typeface="Arial"/>
               </a:rPr>
-              <a:t>11</a:t>
+              <a:t>12</a:t>
             </a:r>
             <a:endParaRPr>
               <a:solidFill>
@@ -11640,7 +12765,7 @@
       </p:sp>
       <p:pic>
         <p:nvPicPr>
-          <p:cNvPr id="235" name="Google Shape;235;p24"/>
+          <p:cNvPr id="245" name="Google Shape;245;p25"/>
           <p:cNvPicPr preferRelativeResize="0"/>
           <p:nvPr/>
         </p:nvPicPr>
@@ -11674,12 +12799,12 @@
 </p:sld>
 </file>
 
-<file path=ppt/slides/slide13.xml><?xml version="1.0" encoding="utf-8"?>
+<file path=ppt/slides/slide14.xml><?xml version="1.0" encoding="utf-8"?>
 <p:sld xmlns:a="http://schemas.openxmlformats.org/drawingml/2006/main" xmlns:r="http://schemas.openxmlformats.org/officeDocument/2006/relationships" xmlns:mc="http://schemas.openxmlformats.org/markup-compatibility/2006" xmlns:mv="urn:schemas-microsoft-com:mac:vml" xmlns:p="http://schemas.openxmlformats.org/presentationml/2006/main" xmlns:c="http://schemas.openxmlformats.org/drawingml/2006/chart" xmlns:dgm="http://schemas.openxmlformats.org/drawingml/2006/diagram" xmlns:o="urn:schemas-microsoft-com:office:office" xmlns:v="urn:schemas-microsoft-com:vml" xmlns:pvml="urn:schemas-microsoft-com:office:powerpoint" xmlns:com="http://schemas.openxmlformats.org/drawingml/2006/compatibility" xmlns:p14="http://schemas.microsoft.com/office/powerpoint/2010/main" xmlns:p15="http://schemas.microsoft.com/office/powerpoint/2012/main">
   <p:cSld>
     <p:spTree>
       <p:nvGrpSpPr>
-        <p:cNvPr id="239" name="Shape 239"/>
+        <p:cNvPr id="249" name="Shape 249"/>
         <p:cNvGrpSpPr/>
         <p:nvPr/>
       </p:nvGrpSpPr>
@@ -11693,7 +12818,7 @@
       </p:grpSpPr>
       <p:sp>
         <p:nvSpPr>
-          <p:cNvPr id="240" name="Google Shape;240;p25"/>
+          <p:cNvPr id="250" name="Google Shape;250;p26"/>
           <p:cNvSpPr txBox="1"/>
           <p:nvPr>
             <p:ph type="title"/>
@@ -11733,7 +12858,7 @@
       </p:sp>
       <p:sp>
         <p:nvSpPr>
-          <p:cNvPr id="241" name="Google Shape;241;p25"/>
+          <p:cNvPr id="251" name="Google Shape;251;p26"/>
           <p:cNvSpPr txBox="1"/>
           <p:nvPr>
             <p:ph idx="1" type="body"/>
@@ -11741,8 +12866,8 @@
         </p:nvSpPr>
         <p:spPr>
           <a:xfrm>
-            <a:off x="1297500" y="1307850"/>
-            <a:ext cx="7038900" cy="3756000"/>
+            <a:off x="1053200" y="1307850"/>
+            <a:ext cx="3857700" cy="3756000"/>
           </a:xfrm>
           <a:prstGeom prst="rect">
             <a:avLst/>
@@ -11754,7 +12879,7 @@
           </a:bodyPr>
           <a:lstStyle/>
           <a:p>
-            <a:pPr indent="-355600" lvl="0" marL="457200" rtl="0" algn="just">
+            <a:pPr indent="-355600" lvl="0" marL="457200" rtl="0" algn="l">
               <a:spcBef>
                 <a:spcPts val="0"/>
               </a:spcBef>
@@ -11772,7 +12897,7 @@
                 <a:cs typeface="Arial"/>
                 <a:sym typeface="Arial"/>
               </a:rPr>
-              <a:t>Choregraphe Installation Issues</a:t>
+              <a:t>Choregraphe issues</a:t>
             </a:r>
             <a:endParaRPr sz="2000">
               <a:latin typeface="Arial"/>
@@ -11782,7 +12907,7 @@
             </a:endParaRPr>
           </a:p>
           <a:p>
-            <a:pPr indent="0" lvl="0" marL="457200" rtl="0" algn="just">
+            <a:pPr indent="0" lvl="0" marL="457200" rtl="0" algn="l">
               <a:spcBef>
                 <a:spcPts val="0"/>
               </a:spcBef>
@@ -11802,7 +12927,7 @@
             </a:endParaRPr>
           </a:p>
           <a:p>
-            <a:pPr indent="-355600" lvl="0" marL="457200" rtl="0" algn="just">
+            <a:pPr indent="-355600" lvl="0" marL="457200" rtl="0" algn="l">
               <a:spcBef>
                 <a:spcPts val="0"/>
               </a:spcBef>
@@ -11820,7 +12945,7 @@
                 <a:cs typeface="Arial"/>
                 <a:sym typeface="Arial"/>
               </a:rPr>
-              <a:t>Infinite Loops</a:t>
+              <a:t>Infinite loops</a:t>
             </a:r>
             <a:endParaRPr sz="2000">
               <a:latin typeface="Arial"/>
@@ -11830,7 +12955,7 @@
             </a:endParaRPr>
           </a:p>
           <a:p>
-            <a:pPr indent="0" lvl="0" marL="0" rtl="0" algn="just">
+            <a:pPr indent="0" lvl="0" marL="457200" rtl="0" algn="l">
               <a:spcBef>
                 <a:spcPts val="0"/>
               </a:spcBef>
@@ -11850,83 +12975,7 @@
             </a:endParaRPr>
           </a:p>
           <a:p>
-            <a:pPr indent="-355600" lvl="0" marL="457200" rtl="0" algn="just">
-              <a:spcBef>
-                <a:spcPts val="0"/>
-              </a:spcBef>
-              <a:spcAft>
-                <a:spcPts val="0"/>
-              </a:spcAft>
-              <a:buSzPts val="2000"/>
-              <a:buFont typeface="Arial"/>
-              <a:buChar char="●"/>
-            </a:pPr>
-            <a:r>
-              <a:rPr lang="en" sz="2000">
-                <a:latin typeface="Arial"/>
-                <a:ea typeface="Arial"/>
-                <a:cs typeface="Arial"/>
-                <a:sym typeface="Arial"/>
-              </a:rPr>
-              <a:t>“How old are you?” module</a:t>
-            </a:r>
-            <a:endParaRPr sz="2000">
-              <a:latin typeface="Arial"/>
-              <a:ea typeface="Arial"/>
-              <a:cs typeface="Arial"/>
-              <a:sym typeface="Arial"/>
-            </a:endParaRPr>
-          </a:p>
-          <a:p>
-            <a:pPr indent="-355600" lvl="1" marL="914400" rtl="0" algn="just">
-              <a:spcBef>
-                <a:spcPts val="0"/>
-              </a:spcBef>
-              <a:spcAft>
-                <a:spcPts val="0"/>
-              </a:spcAft>
-              <a:buSzPts val="2000"/>
-              <a:buFont typeface="Arial"/>
-              <a:buChar char="○"/>
-            </a:pPr>
-            <a:r>
-              <a:rPr lang="en" sz="2000">
-                <a:latin typeface="Arial"/>
-                <a:ea typeface="Arial"/>
-                <a:cs typeface="Arial"/>
-                <a:sym typeface="Arial"/>
-              </a:rPr>
-              <a:t>Suppressed other behaviors</a:t>
-            </a:r>
-            <a:endParaRPr sz="2000">
-              <a:latin typeface="Arial"/>
-              <a:ea typeface="Arial"/>
-              <a:cs typeface="Arial"/>
-              <a:sym typeface="Arial"/>
-            </a:endParaRPr>
-          </a:p>
-          <a:p>
-            <a:pPr indent="0" lvl="0" marL="457200" rtl="0" algn="just">
-              <a:spcBef>
-                <a:spcPts val="0"/>
-              </a:spcBef>
-              <a:spcAft>
-                <a:spcPts val="0"/>
-              </a:spcAft>
-              <a:buNone/>
-            </a:pPr>
-            <a:r>
-              <a:t/>
-            </a:r>
-            <a:endParaRPr sz="2000">
-              <a:latin typeface="Arial"/>
-              <a:ea typeface="Arial"/>
-              <a:cs typeface="Arial"/>
-              <a:sym typeface="Arial"/>
-            </a:endParaRPr>
-          </a:p>
-          <a:p>
-            <a:pPr indent="-355600" lvl="0" marL="457200" rtl="0" algn="just">
+            <a:pPr indent="-355600" lvl="0" marL="457200" rtl="0" algn="l">
               <a:spcBef>
                 <a:spcPts val="0"/>
               </a:spcBef>
@@ -11954,6 +13003,54 @@
             </a:endParaRPr>
           </a:p>
           <a:p>
+            <a:pPr indent="0" lvl="0" marL="0" rtl="0" algn="l">
+              <a:spcBef>
+                <a:spcPts val="0"/>
+              </a:spcBef>
+              <a:spcAft>
+                <a:spcPts val="0"/>
+              </a:spcAft>
+              <a:buNone/>
+            </a:pPr>
+            <a:r>
+              <a:t/>
+            </a:r>
+            <a:endParaRPr sz="2000">
+              <a:latin typeface="Arial"/>
+              <a:ea typeface="Arial"/>
+              <a:cs typeface="Arial"/>
+              <a:sym typeface="Arial"/>
+            </a:endParaRPr>
+          </a:p>
+          <a:p>
+            <a:pPr indent="-355600" lvl="0" marL="457200" rtl="0" algn="l">
+              <a:spcBef>
+                <a:spcPts val="0"/>
+              </a:spcBef>
+              <a:spcAft>
+                <a:spcPts val="0"/>
+              </a:spcAft>
+              <a:buSzPts val="2000"/>
+              <a:buFont typeface="Arial"/>
+              <a:buChar char="●"/>
+            </a:pPr>
+            <a:r>
+              <a:rPr lang="en" sz="2000">
+                <a:latin typeface="Arial"/>
+                <a:ea typeface="Arial"/>
+                <a:cs typeface="Arial"/>
+                <a:sym typeface="Arial"/>
+              </a:rPr>
+              <a:t>Stop module to halt behaviors while in progress</a:t>
+            </a:r>
+            <a:endParaRPr sz="2000">
+              <a:latin typeface="Arial"/>
+              <a:ea typeface="Arial"/>
+              <a:cs typeface="Arial"/>
+              <a:sym typeface="Arial"/>
+            </a:endParaRPr>
+          </a:p>
+          <a:p>
             <a:pPr indent="0" lvl="0" marL="0" rtl="0" algn="just">
               <a:spcBef>
                 <a:spcPts val="0"/>
@@ -11972,7 +13069,7 @@
       </p:sp>
       <p:pic>
         <p:nvPicPr>
-          <p:cNvPr id="242" name="Google Shape;242;p25"/>
+          <p:cNvPr id="252" name="Google Shape;252;p26"/>
           <p:cNvPicPr preferRelativeResize="0"/>
           <p:nvPr/>
         </p:nvPicPr>
@@ -12000,7 +13097,7 @@
       </p:pic>
       <p:sp>
         <p:nvSpPr>
-          <p:cNvPr id="243" name="Google Shape;243;p25"/>
+          <p:cNvPr id="253" name="Google Shape;253;p26"/>
           <p:cNvSpPr txBox="1"/>
           <p:nvPr>
             <p:ph idx="1" type="body"/>
@@ -12045,7 +13142,7 @@
                 <a:cs typeface="Arial"/>
                 <a:sym typeface="Arial"/>
               </a:rPr>
-              <a:t>12</a:t>
+              <a:t>13</a:t>
             </a:r>
             <a:endParaRPr>
               <a:solidFill>
@@ -12055,6 +13152,33 @@
           </a:p>
         </p:txBody>
       </p:sp>
+      <p:pic>
+        <p:nvPicPr>
+          <p:cNvPr id="254" name="Google Shape;254;p26"/>
+          <p:cNvPicPr preferRelativeResize="0"/>
+          <p:nvPr/>
+        </p:nvPicPr>
+        <p:blipFill rotWithShape="1">
+          <a:blip r:embed="rId4">
+            <a:alphaModFix/>
+          </a:blip>
+          <a:srcRect b="5020" l="0" r="0" t="10598"/>
+          <a:stretch/>
+        </p:blipFill>
+        <p:spPr>
+          <a:xfrm>
+            <a:off x="4413875" y="978325"/>
+            <a:ext cx="4526900" cy="2884200"/>
+          </a:xfrm>
+          <a:prstGeom prst="rect">
+            <a:avLst/>
+          </a:prstGeom>
+          <a:noFill/>
+          <a:ln>
+            <a:noFill/>
+          </a:ln>
+        </p:spPr>
+      </p:pic>
     </p:spTree>
   </p:cSld>
   <p:clrMapOvr>
@@ -12063,12 +13187,12 @@
 </p:sld>
 </file>
 
-<file path=ppt/slides/slide14.xml><?xml version="1.0" encoding="utf-8"?>
+<file path=ppt/slides/slide15.xml><?xml version="1.0" encoding="utf-8"?>
 <p:sld xmlns:a="http://schemas.openxmlformats.org/drawingml/2006/main" xmlns:r="http://schemas.openxmlformats.org/officeDocument/2006/relationships" xmlns:mc="http://schemas.openxmlformats.org/markup-compatibility/2006" xmlns:mv="urn:schemas-microsoft-com:mac:vml" xmlns:p="http://schemas.openxmlformats.org/presentationml/2006/main" xmlns:c="http://schemas.openxmlformats.org/drawingml/2006/chart" xmlns:dgm="http://schemas.openxmlformats.org/drawingml/2006/diagram" xmlns:o="urn:schemas-microsoft-com:office:office" xmlns:v="urn:schemas-microsoft-com:vml" xmlns:pvml="urn:schemas-microsoft-com:office:powerpoint" xmlns:com="http://schemas.openxmlformats.org/drawingml/2006/compatibility" xmlns:p14="http://schemas.microsoft.com/office/powerpoint/2010/main" xmlns:p15="http://schemas.microsoft.com/office/powerpoint/2012/main">
   <p:cSld>
     <p:spTree>
       <p:nvGrpSpPr>
-        <p:cNvPr id="247" name="Shape 247"/>
+        <p:cNvPr id="258" name="Shape 258"/>
         <p:cNvGrpSpPr/>
         <p:nvPr/>
       </p:nvGrpSpPr>
@@ -12082,7 +13206,7 @@
       </p:grpSpPr>
       <p:sp>
         <p:nvSpPr>
-          <p:cNvPr id="248" name="Google Shape;248;p26"/>
+          <p:cNvPr id="259" name="Google Shape;259;p27"/>
           <p:cNvSpPr txBox="1"/>
           <p:nvPr>
             <p:ph idx="1" type="subTitle"/>
@@ -12138,7 +13262,7 @@
       </p:sp>
       <p:pic>
         <p:nvPicPr>
-          <p:cNvPr id="249" name="Google Shape;249;p26"/>
+          <p:cNvPr id="260" name="Google Shape;260;p27"/>
           <p:cNvPicPr preferRelativeResize="0"/>
           <p:nvPr/>
         </p:nvPicPr>
@@ -12166,7 +13290,7 @@
       </p:pic>
       <p:sp>
         <p:nvSpPr>
-          <p:cNvPr id="250" name="Google Shape;250;p26"/>
+          <p:cNvPr id="261" name="Google Shape;261;p27"/>
           <p:cNvSpPr txBox="1"/>
           <p:nvPr>
             <p:ph idx="4294967295" type="body"/>
@@ -12211,7 +13335,7 @@
                 <a:cs typeface="Arial"/>
                 <a:sym typeface="Arial"/>
               </a:rPr>
-              <a:t>13</a:t>
+              <a:t>14</a:t>
             </a:r>
             <a:endParaRPr>
               <a:solidFill>
@@ -12223,7 +13347,7 @@
       </p:sp>
       <p:pic>
         <p:nvPicPr>
-          <p:cNvPr id="251" name="Google Shape;251;p26"/>
+          <p:cNvPr id="262" name="Google Shape;262;p27"/>
           <p:cNvPicPr preferRelativeResize="0"/>
           <p:nvPr/>
         </p:nvPicPr>
@@ -12257,12 +13381,12 @@
 </p:sld>
 </file>
 
-<file path=ppt/slides/slide15.xml><?xml version="1.0" encoding="utf-8"?>
+<file path=ppt/slides/slide16.xml><?xml version="1.0" encoding="utf-8"?>
 <p:sld xmlns:a="http://schemas.openxmlformats.org/drawingml/2006/main" xmlns:r="http://schemas.openxmlformats.org/officeDocument/2006/relationships" xmlns:mc="http://schemas.openxmlformats.org/markup-compatibility/2006" xmlns:mv="urn:schemas-microsoft-com:mac:vml" xmlns:p="http://schemas.openxmlformats.org/presentationml/2006/main" xmlns:c="http://schemas.openxmlformats.org/drawingml/2006/chart" xmlns:dgm="http://schemas.openxmlformats.org/drawingml/2006/diagram" xmlns:o="urn:schemas-microsoft-com:office:office" xmlns:v="urn:schemas-microsoft-com:vml" xmlns:pvml="urn:schemas-microsoft-com:office:powerpoint" xmlns:com="http://schemas.openxmlformats.org/drawingml/2006/compatibility" xmlns:p14="http://schemas.microsoft.com/office/powerpoint/2010/main" xmlns:p15="http://schemas.microsoft.com/office/powerpoint/2012/main">
   <p:cSld>
     <p:spTree>
       <p:nvGrpSpPr>
-        <p:cNvPr id="255" name="Shape 255"/>
+        <p:cNvPr id="266" name="Shape 266"/>
         <p:cNvGrpSpPr/>
         <p:nvPr/>
       </p:nvGrpSpPr>
@@ -12276,275 +13400,7 @@
       </p:grpSpPr>
       <p:sp>
         <p:nvSpPr>
-          <p:cNvPr id="256" name="Google Shape;256;p27"/>
-          <p:cNvSpPr txBox="1"/>
-          <p:nvPr>
-            <p:ph idx="1" type="body"/>
-          </p:nvPr>
-        </p:nvSpPr>
-        <p:spPr>
-          <a:xfrm>
-            <a:off x="1297500" y="1170225"/>
-            <a:ext cx="7620300" cy="3373200"/>
-          </a:xfrm>
-          <a:prstGeom prst="rect">
-            <a:avLst/>
-          </a:prstGeom>
-        </p:spPr>
-        <p:txBody>
-          <a:bodyPr anchorCtr="0" anchor="t" bIns="91425" lIns="91425" spcFirstLastPara="1" rIns="91425" wrap="square" tIns="91425">
-            <a:noAutofit/>
-          </a:bodyPr>
-          <a:lstStyle/>
-          <a:p>
-            <a:pPr indent="-355600" lvl="0" marL="457200" rtl="0" algn="l">
-              <a:spcBef>
-                <a:spcPts val="0"/>
-              </a:spcBef>
-              <a:spcAft>
-                <a:spcPts val="0"/>
-              </a:spcAft>
-              <a:buSzPts val="2000"/>
-              <a:buFont typeface="Arial"/>
-              <a:buChar char="●"/>
-            </a:pPr>
-            <a:r>
-              <a:rPr lang="en" sz="2000">
-                <a:latin typeface="Arial"/>
-                <a:ea typeface="Arial"/>
-                <a:cs typeface="Arial"/>
-                <a:sym typeface="Arial"/>
-              </a:rPr>
-              <a:t>Finish up Functional Requirements ASAP</a:t>
-            </a:r>
-            <a:endParaRPr sz="2000">
-              <a:latin typeface="Arial"/>
-              <a:ea typeface="Arial"/>
-              <a:cs typeface="Arial"/>
-              <a:sym typeface="Arial"/>
-            </a:endParaRPr>
-          </a:p>
-          <a:p>
-            <a:pPr indent="0" lvl="0" marL="0" rtl="0" algn="l">
-              <a:spcBef>
-                <a:spcPts val="0"/>
-              </a:spcBef>
-              <a:spcAft>
-                <a:spcPts val="0"/>
-              </a:spcAft>
-              <a:buNone/>
-            </a:pPr>
-            <a:r>
-              <a:t/>
-            </a:r>
-            <a:endParaRPr sz="2000">
-              <a:latin typeface="Arial"/>
-              <a:ea typeface="Arial"/>
-              <a:cs typeface="Arial"/>
-              <a:sym typeface="Arial"/>
-            </a:endParaRPr>
-          </a:p>
-          <a:p>
-            <a:pPr indent="-355600" lvl="0" marL="457200" rtl="0" algn="l">
-              <a:spcBef>
-                <a:spcPts val="0"/>
-              </a:spcBef>
-              <a:spcAft>
-                <a:spcPts val="0"/>
-              </a:spcAft>
-              <a:buSzPts val="2000"/>
-              <a:buFont typeface="Arial"/>
-              <a:buChar char="●"/>
-            </a:pPr>
-            <a:r>
-              <a:rPr lang="en" sz="2000">
-                <a:latin typeface="Arial"/>
-                <a:ea typeface="Arial"/>
-                <a:cs typeface="Arial"/>
-                <a:sym typeface="Arial"/>
-              </a:rPr>
-              <a:t>Start </a:t>
-            </a:r>
-            <a:r>
-              <a:rPr lang="en" sz="2000">
-                <a:latin typeface="Arial"/>
-                <a:ea typeface="Arial"/>
-                <a:cs typeface="Arial"/>
-                <a:sym typeface="Arial"/>
-              </a:rPr>
-              <a:t>usability testing with students and faculty</a:t>
-            </a:r>
-            <a:endParaRPr sz="2000">
-              <a:latin typeface="Arial"/>
-              <a:ea typeface="Arial"/>
-              <a:cs typeface="Arial"/>
-              <a:sym typeface="Arial"/>
-            </a:endParaRPr>
-          </a:p>
-          <a:p>
-            <a:pPr indent="0" lvl="0" marL="457200" marR="0" rtl="0" algn="l">
-              <a:lnSpc>
-                <a:spcPct val="115000"/>
-              </a:lnSpc>
-              <a:spcBef>
-                <a:spcPts val="0"/>
-              </a:spcBef>
-              <a:spcAft>
-                <a:spcPts val="0"/>
-              </a:spcAft>
-              <a:buNone/>
-            </a:pPr>
-            <a:r>
-              <a:t/>
-            </a:r>
-            <a:endParaRPr sz="2000">
-              <a:latin typeface="Arial"/>
-              <a:ea typeface="Arial"/>
-              <a:cs typeface="Arial"/>
-              <a:sym typeface="Arial"/>
-            </a:endParaRPr>
-          </a:p>
-          <a:p>
-            <a:pPr indent="-355600" lvl="0" marL="457200" rtl="0" algn="l">
-              <a:spcBef>
-                <a:spcPts val="0"/>
-              </a:spcBef>
-              <a:spcAft>
-                <a:spcPts val="0"/>
-              </a:spcAft>
-              <a:buSzPts val="2000"/>
-              <a:buFont typeface="Arial"/>
-              <a:buChar char="●"/>
-            </a:pPr>
-            <a:r>
-              <a:rPr lang="en" sz="2000">
-                <a:latin typeface="Arial"/>
-                <a:ea typeface="Arial"/>
-                <a:cs typeface="Arial"/>
-                <a:sym typeface="Arial"/>
-              </a:rPr>
-              <a:t>Begin Escalation Phase for Non-Functional Requirements</a:t>
-            </a:r>
-            <a:endParaRPr sz="2000">
-              <a:latin typeface="Arial"/>
-              <a:ea typeface="Arial"/>
-              <a:cs typeface="Arial"/>
-              <a:sym typeface="Arial"/>
-            </a:endParaRPr>
-          </a:p>
-          <a:p>
-            <a:pPr indent="-355600" lvl="1" marL="914400" rtl="0" algn="l">
-              <a:spcBef>
-                <a:spcPts val="0"/>
-              </a:spcBef>
-              <a:spcAft>
-                <a:spcPts val="0"/>
-              </a:spcAft>
-              <a:buSzPts val="2000"/>
-              <a:buFont typeface="Arial"/>
-              <a:buChar char="○"/>
-            </a:pPr>
-            <a:r>
-              <a:rPr lang="en" sz="2000">
-                <a:latin typeface="Arial"/>
-                <a:ea typeface="Arial"/>
-                <a:cs typeface="Arial"/>
-                <a:sym typeface="Arial"/>
-              </a:rPr>
-              <a:t>Scrum meetings 1-2x a week to discuss new </a:t>
-            </a:r>
-            <a:endParaRPr sz="2000">
-              <a:latin typeface="Arial"/>
-              <a:ea typeface="Arial"/>
-              <a:cs typeface="Arial"/>
-              <a:sym typeface="Arial"/>
-            </a:endParaRPr>
-          </a:p>
-          <a:p>
-            <a:pPr indent="0" lvl="0" marL="914400" rtl="0" algn="l">
-              <a:spcBef>
-                <a:spcPts val="0"/>
-              </a:spcBef>
-              <a:spcAft>
-                <a:spcPts val="0"/>
-              </a:spcAft>
-              <a:buNone/>
-            </a:pPr>
-            <a:r>
-              <a:rPr lang="en" sz="2000">
-                <a:latin typeface="Arial"/>
-                <a:ea typeface="Arial"/>
-                <a:cs typeface="Arial"/>
-                <a:sym typeface="Arial"/>
-              </a:rPr>
-              <a:t>modules, progress &amp; testing</a:t>
-            </a:r>
-            <a:endParaRPr sz="2000">
-              <a:latin typeface="Arial"/>
-              <a:ea typeface="Arial"/>
-              <a:cs typeface="Arial"/>
-              <a:sym typeface="Arial"/>
-            </a:endParaRPr>
-          </a:p>
-          <a:p>
-            <a:pPr indent="0" lvl="0" marL="457200" marR="0" rtl="0" algn="l">
-              <a:lnSpc>
-                <a:spcPct val="115000"/>
-              </a:lnSpc>
-              <a:spcBef>
-                <a:spcPts val="0"/>
-              </a:spcBef>
-              <a:spcAft>
-                <a:spcPts val="0"/>
-              </a:spcAft>
-              <a:buNone/>
-            </a:pPr>
-            <a:r>
-              <a:t/>
-            </a:r>
-            <a:endParaRPr sz="2000">
-              <a:latin typeface="Arial"/>
-              <a:ea typeface="Arial"/>
-              <a:cs typeface="Arial"/>
-              <a:sym typeface="Arial"/>
-            </a:endParaRPr>
-          </a:p>
-          <a:p>
-            <a:pPr indent="-355600" lvl="0" marL="457200" marR="0" rtl="0" algn="l">
-              <a:lnSpc>
-                <a:spcPct val="115000"/>
-              </a:lnSpc>
-              <a:spcBef>
-                <a:spcPts val="0"/>
-              </a:spcBef>
-              <a:spcAft>
-                <a:spcPts val="0"/>
-              </a:spcAft>
-              <a:buSzPts val="2000"/>
-              <a:buFont typeface="Arial"/>
-              <a:buChar char="●"/>
-            </a:pPr>
-            <a:r>
-              <a:rPr lang="en" sz="2000">
-                <a:latin typeface="Arial"/>
-                <a:ea typeface="Arial"/>
-                <a:cs typeface="Arial"/>
-                <a:sym typeface="Arial"/>
-              </a:rPr>
-              <a:t>Final presentation</a:t>
-            </a:r>
-            <a:endParaRPr sz="2000">
-              <a:latin typeface="Arial"/>
-              <a:ea typeface="Arial"/>
-              <a:cs typeface="Arial"/>
-              <a:sym typeface="Arial"/>
-            </a:endParaRPr>
-          </a:p>
-        </p:txBody>
-      </p:sp>
-      <p:sp>
-        <p:nvSpPr>
-          <p:cNvPr id="257" name="Google Shape;257;p27"/>
+          <p:cNvPr id="267" name="Google Shape;267;p28"/>
           <p:cNvSpPr txBox="1"/>
           <p:nvPr>
             <p:ph type="title"/>
@@ -12584,7 +13440,7 @@
       </p:sp>
       <p:pic>
         <p:nvPicPr>
-          <p:cNvPr id="258" name="Google Shape;258;p27"/>
+          <p:cNvPr id="268" name="Google Shape;268;p28"/>
           <p:cNvPicPr preferRelativeResize="0"/>
           <p:nvPr/>
         </p:nvPicPr>
@@ -12612,7 +13468,7 @@
       </p:pic>
       <p:sp>
         <p:nvSpPr>
-          <p:cNvPr id="259" name="Google Shape;259;p27"/>
+          <p:cNvPr id="269" name="Google Shape;269;p28"/>
           <p:cNvSpPr txBox="1"/>
           <p:nvPr>
             <p:ph idx="1" type="body"/>
@@ -12657,7 +13513,7 @@
                 <a:cs typeface="Arial"/>
                 <a:sym typeface="Arial"/>
               </a:rPr>
-              <a:t>14</a:t>
+              <a:t>15</a:t>
             </a:r>
             <a:endParaRPr>
               <a:solidFill>
@@ -12667,6 +13523,34 @@
           </a:p>
         </p:txBody>
       </p:sp>
+      <p:pic>
+        <p:nvPicPr>
+          <p:cNvPr id="270" name="Google Shape;270;p28"/>
+          <p:cNvPicPr preferRelativeResize="0"/>
+          <p:nvPr/>
+        </p:nvPicPr>
+        <p:blipFill>
+          <a:blip r:embed="rId4">
+            <a:alphaModFix/>
+          </a:blip>
+          <a:stretch>
+            <a:fillRect/>
+          </a:stretch>
+        </p:blipFill>
+        <p:spPr>
+          <a:xfrm>
+            <a:off x="372488" y="1105925"/>
+            <a:ext cx="8399025" cy="2931650"/>
+          </a:xfrm>
+          <a:prstGeom prst="rect">
+            <a:avLst/>
+          </a:prstGeom>
+          <a:noFill/>
+          <a:ln>
+            <a:noFill/>
+          </a:ln>
+        </p:spPr>
+      </p:pic>
     </p:spTree>
   </p:cSld>
   <p:clrMapOvr>
@@ -12675,12 +13559,12 @@
 </p:sld>
 </file>
 
-<file path=ppt/slides/slide16.xml><?xml version="1.0" encoding="utf-8"?>
+<file path=ppt/slides/slide17.xml><?xml version="1.0" encoding="utf-8"?>
 <p:sld xmlns:a="http://schemas.openxmlformats.org/drawingml/2006/main" xmlns:r="http://schemas.openxmlformats.org/officeDocument/2006/relationships" xmlns:mc="http://schemas.openxmlformats.org/markup-compatibility/2006" xmlns:mv="urn:schemas-microsoft-com:mac:vml" xmlns:p="http://schemas.openxmlformats.org/presentationml/2006/main" xmlns:c="http://schemas.openxmlformats.org/drawingml/2006/chart" xmlns:dgm="http://schemas.openxmlformats.org/drawingml/2006/diagram" xmlns:o="urn:schemas-microsoft-com:office:office" xmlns:v="urn:schemas-microsoft-com:vml" xmlns:pvml="urn:schemas-microsoft-com:office:powerpoint" xmlns:com="http://schemas.openxmlformats.org/drawingml/2006/compatibility" xmlns:p14="http://schemas.microsoft.com/office/powerpoint/2010/main" xmlns:p15="http://schemas.microsoft.com/office/powerpoint/2012/main">
   <p:cSld>
     <p:spTree>
       <p:nvGrpSpPr>
-        <p:cNvPr id="263" name="Shape 263"/>
+        <p:cNvPr id="274" name="Shape 274"/>
         <p:cNvGrpSpPr/>
         <p:nvPr/>
       </p:nvGrpSpPr>
@@ -12694,16 +13578,16 @@
       </p:grpSpPr>
       <p:sp>
         <p:nvSpPr>
-          <p:cNvPr id="264" name="Google Shape;264;p28"/>
+          <p:cNvPr id="275" name="Google Shape;275;p29"/>
           <p:cNvSpPr txBox="1"/>
           <p:nvPr>
-            <p:ph idx="1" type="subTitle"/>
+            <p:ph type="title"/>
           </p:nvPr>
         </p:nvSpPr>
         <p:spPr>
           <a:xfrm>
-            <a:off x="5531650" y="360738"/>
-            <a:ext cx="2742600" cy="888900"/>
+            <a:off x="1109125" y="368625"/>
+            <a:ext cx="7038900" cy="914100"/>
           </a:xfrm>
           <a:prstGeom prst="rect">
             <a:avLst/>
@@ -12715,26 +13599,151 @@
           </a:bodyPr>
           <a:lstStyle/>
           <a:p>
-            <a:pPr indent="0" lvl="0" marL="0" rtl="0" algn="ctr">
-              <a:spcBef>
-                <a:spcPts val="0"/>
-              </a:spcBef>
-              <a:spcAft>
-                <a:spcPts val="0"/>
-              </a:spcAft>
-              <a:buNone/>
-            </a:pPr>
-            <a:r>
-              <a:rPr lang="en" sz="3000"/>
-              <a:t>Tech Demo</a:t>
-            </a:r>
-            <a:endParaRPr sz="3000"/>
+            <a:pPr indent="0" lvl="0" marL="0" rtl="0" algn="l">
+              <a:spcBef>
+                <a:spcPts val="0"/>
+              </a:spcBef>
+              <a:spcAft>
+                <a:spcPts val="0"/>
+              </a:spcAft>
+              <a:buNone/>
+            </a:pPr>
+            <a:r>
+              <a:rPr lang="en"/>
+              <a:t>Conclusion</a:t>
+            </a:r>
+            <a:endParaRPr/>
+          </a:p>
+        </p:txBody>
+      </p:sp>
+      <p:sp>
+        <p:nvSpPr>
+          <p:cNvPr id="276" name="Google Shape;276;p29"/>
+          <p:cNvSpPr txBox="1"/>
+          <p:nvPr>
+            <p:ph idx="1" type="body"/>
+          </p:nvPr>
+        </p:nvSpPr>
+        <p:spPr>
+          <a:xfrm>
+            <a:off x="1206975" y="1307850"/>
+            <a:ext cx="3524400" cy="3072300"/>
+          </a:xfrm>
+          <a:prstGeom prst="rect">
+            <a:avLst/>
+          </a:prstGeom>
+        </p:spPr>
+        <p:txBody>
+          <a:bodyPr anchorCtr="0" anchor="t" bIns="91425" lIns="91425" spcFirstLastPara="1" rIns="91425" wrap="square" tIns="91425">
+            <a:noAutofit/>
+          </a:bodyPr>
+          <a:lstStyle/>
+          <a:p>
+            <a:pPr indent="0" lvl="0" marL="0" rtl="0" algn="just">
+              <a:spcBef>
+                <a:spcPts val="0"/>
+              </a:spcBef>
+              <a:spcAft>
+                <a:spcPts val="0"/>
+              </a:spcAft>
+              <a:buNone/>
+            </a:pPr>
+            <a:r>
+              <a:rPr lang="en" sz="1400"/>
+              <a:t>Completed</a:t>
+            </a:r>
+            <a:endParaRPr sz="1400"/>
+          </a:p>
+          <a:p>
+            <a:pPr indent="-317500" lvl="0" marL="457200" rtl="0" algn="just">
+              <a:spcBef>
+                <a:spcPts val="0"/>
+              </a:spcBef>
+              <a:spcAft>
+                <a:spcPts val="0"/>
+              </a:spcAft>
+              <a:buSzPts val="1400"/>
+              <a:buChar char="●"/>
+            </a:pPr>
+            <a:r>
+              <a:rPr lang="en" sz="1400"/>
+              <a:t>Basic limb movement options </a:t>
+            </a:r>
+            <a:endParaRPr sz="1400"/>
+          </a:p>
+          <a:p>
+            <a:pPr indent="0" lvl="0" marL="0" rtl="0" algn="just">
+              <a:spcBef>
+                <a:spcPts val="0"/>
+              </a:spcBef>
+              <a:spcAft>
+                <a:spcPts val="0"/>
+              </a:spcAft>
+              <a:buNone/>
+            </a:pPr>
+            <a:r>
+              <a:t/>
+            </a:r>
+            <a:endParaRPr sz="1400"/>
+          </a:p>
+          <a:p>
+            <a:pPr indent="-317500" lvl="0" marL="457200" rtl="0" algn="just">
+              <a:spcBef>
+                <a:spcPts val="0"/>
+              </a:spcBef>
+              <a:spcAft>
+                <a:spcPts val="0"/>
+              </a:spcAft>
+              <a:buSzPts val="1400"/>
+              <a:buChar char="●"/>
+            </a:pPr>
+            <a:r>
+              <a:rPr lang="en" sz="1400"/>
+              <a:t>Small pool of v</a:t>
+            </a:r>
+            <a:r>
+              <a:rPr lang="en" sz="1400"/>
+              <a:t>oice commands</a:t>
+            </a:r>
+            <a:endParaRPr sz="1400"/>
+          </a:p>
+          <a:p>
+            <a:pPr indent="0" lvl="0" marL="0" rtl="0" algn="just">
+              <a:spcBef>
+                <a:spcPts val="0"/>
+              </a:spcBef>
+              <a:spcAft>
+                <a:spcPts val="0"/>
+              </a:spcAft>
+              <a:buNone/>
+            </a:pPr>
+            <a:r>
+              <a:t/>
+            </a:r>
+            <a:endParaRPr sz="1400"/>
+          </a:p>
+          <a:p>
+            <a:pPr indent="-317500" lvl="0" marL="457200" rtl="0" algn="just">
+              <a:spcBef>
+                <a:spcPts val="0"/>
+              </a:spcBef>
+              <a:spcAft>
+                <a:spcPts val="0"/>
+              </a:spcAft>
+              <a:buSzPts val="1400"/>
+              <a:buChar char="●"/>
+            </a:pPr>
+            <a:r>
+              <a:rPr lang="en" sz="1400"/>
+              <a:t>Easter eggs (National Anthem, jazz hands, etc.)</a:t>
+            </a:r>
+            <a:endParaRPr sz="1400"/>
           </a:p>
         </p:txBody>
       </p:sp>
       <p:pic>
         <p:nvPicPr>
-          <p:cNvPr id="265" name="Google Shape;265;p28"/>
+          <p:cNvPr id="277" name="Google Shape;277;p29"/>
           <p:cNvPicPr preferRelativeResize="0"/>
           <p:nvPr/>
         </p:nvPicPr>
@@ -12762,7 +13771,342 @@
       </p:pic>
       <p:sp>
         <p:nvSpPr>
-          <p:cNvPr id="266" name="Google Shape;266;p28"/>
+          <p:cNvPr id="278" name="Google Shape;278;p29"/>
+          <p:cNvSpPr txBox="1"/>
+          <p:nvPr>
+            <p:ph idx="1" type="body"/>
+          </p:nvPr>
+        </p:nvSpPr>
+        <p:spPr>
+          <a:xfrm>
+            <a:off x="8075700" y="0"/>
+            <a:ext cx="1068300" cy="343500"/>
+          </a:xfrm>
+          <a:prstGeom prst="rect">
+            <a:avLst/>
+          </a:prstGeom>
+        </p:spPr>
+        <p:txBody>
+          <a:bodyPr anchorCtr="0" anchor="t" bIns="91425" lIns="91425" spcFirstLastPara="1" rIns="91425" wrap="square" tIns="91425">
+            <a:noAutofit/>
+          </a:bodyPr>
+          <a:lstStyle/>
+          <a:p>
+            <a:pPr indent="0" lvl="0" marL="0" rtl="0" algn="just">
+              <a:spcBef>
+                <a:spcPts val="0"/>
+              </a:spcBef>
+              <a:spcAft>
+                <a:spcPts val="0"/>
+              </a:spcAft>
+              <a:buClr>
+                <a:srgbClr val="000000"/>
+              </a:buClr>
+              <a:buSzPts val="1100"/>
+              <a:buFont typeface="Arial"/>
+              <a:buNone/>
+            </a:pPr>
+            <a:r>
+              <a:rPr lang="en">
+                <a:solidFill>
+                  <a:srgbClr val="FFFFFF"/>
+                </a:solidFill>
+                <a:latin typeface="Arial"/>
+                <a:ea typeface="Arial"/>
+                <a:cs typeface="Arial"/>
+                <a:sym typeface="Arial"/>
+              </a:rPr>
+              <a:t>16</a:t>
+            </a:r>
+            <a:endParaRPr>
+              <a:solidFill>
+                <a:srgbClr val="FFFFFF"/>
+              </a:solidFill>
+            </a:endParaRPr>
+          </a:p>
+        </p:txBody>
+      </p:sp>
+      <p:sp>
+        <p:nvSpPr>
+          <p:cNvPr id="279" name="Google Shape;279;p29"/>
+          <p:cNvSpPr txBox="1"/>
+          <p:nvPr>
+            <p:ph idx="1" type="body"/>
+          </p:nvPr>
+        </p:nvSpPr>
+        <p:spPr>
+          <a:xfrm>
+            <a:off x="4812000" y="1307850"/>
+            <a:ext cx="3524400" cy="3072300"/>
+          </a:xfrm>
+          <a:prstGeom prst="rect">
+            <a:avLst/>
+          </a:prstGeom>
+        </p:spPr>
+        <p:txBody>
+          <a:bodyPr anchorCtr="0" anchor="t" bIns="91425" lIns="91425" spcFirstLastPara="1" rIns="91425" wrap="square" tIns="91425">
+            <a:noAutofit/>
+          </a:bodyPr>
+          <a:lstStyle/>
+          <a:p>
+            <a:pPr indent="0" lvl="0" marL="0" rtl="0" algn="just">
+              <a:spcBef>
+                <a:spcPts val="0"/>
+              </a:spcBef>
+              <a:spcAft>
+                <a:spcPts val="0"/>
+              </a:spcAft>
+              <a:buNone/>
+            </a:pPr>
+            <a:r>
+              <a:rPr lang="en" sz="1400"/>
+              <a:t>To-Do</a:t>
+            </a:r>
+            <a:endParaRPr sz="1400"/>
+          </a:p>
+          <a:p>
+            <a:pPr indent="-317500" lvl="0" marL="457200" rtl="0" algn="just">
+              <a:spcBef>
+                <a:spcPts val="0"/>
+              </a:spcBef>
+              <a:spcAft>
+                <a:spcPts val="0"/>
+              </a:spcAft>
+              <a:buSzPts val="1400"/>
+              <a:buChar char="●"/>
+            </a:pPr>
+            <a:r>
+              <a:rPr lang="en" sz="1400"/>
+              <a:t>Human waving detection</a:t>
+            </a:r>
+            <a:endParaRPr sz="1400"/>
+          </a:p>
+          <a:p>
+            <a:pPr indent="0" lvl="0" marL="0" rtl="0" algn="just">
+              <a:spcBef>
+                <a:spcPts val="0"/>
+              </a:spcBef>
+              <a:spcAft>
+                <a:spcPts val="0"/>
+              </a:spcAft>
+              <a:buNone/>
+            </a:pPr>
+            <a:r>
+              <a:t/>
+            </a:r>
+            <a:endParaRPr sz="1400"/>
+          </a:p>
+          <a:p>
+            <a:pPr indent="-317500" lvl="0" marL="457200" rtl="0" algn="just">
+              <a:spcBef>
+                <a:spcPts val="0"/>
+              </a:spcBef>
+              <a:spcAft>
+                <a:spcPts val="0"/>
+              </a:spcAft>
+              <a:buSzPts val="1400"/>
+              <a:buChar char="●"/>
+            </a:pPr>
+            <a:r>
+              <a:rPr lang="en" sz="1400"/>
+              <a:t>Detecting emotion in human voice</a:t>
+            </a:r>
+            <a:endParaRPr sz="1400"/>
+          </a:p>
+          <a:p>
+            <a:pPr indent="0" lvl="0" marL="457200" rtl="0" algn="just">
+              <a:spcBef>
+                <a:spcPts val="0"/>
+              </a:spcBef>
+              <a:spcAft>
+                <a:spcPts val="0"/>
+              </a:spcAft>
+              <a:buNone/>
+            </a:pPr>
+            <a:r>
+              <a:t/>
+            </a:r>
+            <a:endParaRPr sz="1400"/>
+          </a:p>
+          <a:p>
+            <a:pPr indent="-317500" lvl="0" marL="457200" rtl="0" algn="just">
+              <a:spcBef>
+                <a:spcPts val="0"/>
+              </a:spcBef>
+              <a:spcAft>
+                <a:spcPts val="0"/>
+              </a:spcAft>
+              <a:buSzPts val="1400"/>
+              <a:buChar char="●"/>
+            </a:pPr>
+            <a:r>
+              <a:rPr lang="en" sz="1400"/>
+              <a:t>Small games with NAO’s sensors</a:t>
+            </a:r>
+            <a:endParaRPr sz="1400"/>
+          </a:p>
+          <a:p>
+            <a:pPr indent="0" lvl="0" marL="457200" rtl="0" algn="just">
+              <a:spcBef>
+                <a:spcPts val="0"/>
+              </a:spcBef>
+              <a:spcAft>
+                <a:spcPts val="0"/>
+              </a:spcAft>
+              <a:buNone/>
+            </a:pPr>
+            <a:r>
+              <a:t/>
+            </a:r>
+            <a:endParaRPr sz="1400"/>
+          </a:p>
+          <a:p>
+            <a:pPr indent="-317500" lvl="0" marL="457200" rtl="0" algn="just">
+              <a:spcBef>
+                <a:spcPts val="0"/>
+              </a:spcBef>
+              <a:spcAft>
+                <a:spcPts val="0"/>
+              </a:spcAft>
+              <a:buSzPts val="1400"/>
+              <a:buChar char="●"/>
+            </a:pPr>
+            <a:r>
+              <a:rPr lang="en" sz="1400"/>
+              <a:t>Advanced Internet integration</a:t>
+            </a:r>
+            <a:endParaRPr sz="1400"/>
+          </a:p>
+          <a:p>
+            <a:pPr indent="0" lvl="0" marL="0" rtl="0" algn="just">
+              <a:spcBef>
+                <a:spcPts val="0"/>
+              </a:spcBef>
+              <a:spcAft>
+                <a:spcPts val="0"/>
+              </a:spcAft>
+              <a:buNone/>
+            </a:pPr>
+            <a:r>
+              <a:t/>
+            </a:r>
+            <a:endParaRPr sz="1400"/>
+          </a:p>
+          <a:p>
+            <a:pPr indent="-317500" lvl="0" marL="457200" rtl="0" algn="just">
+              <a:spcBef>
+                <a:spcPts val="0"/>
+              </a:spcBef>
+              <a:spcAft>
+                <a:spcPts val="0"/>
+              </a:spcAft>
+              <a:buSzPts val="1400"/>
+              <a:buChar char="●"/>
+            </a:pPr>
+            <a:r>
+              <a:rPr lang="en" sz="1400"/>
+              <a:t>Other advanced applications</a:t>
+            </a:r>
+            <a:endParaRPr sz="1400"/>
+          </a:p>
+        </p:txBody>
+      </p:sp>
+    </p:spTree>
+  </p:cSld>
+  <p:clrMapOvr>
+    <a:masterClrMapping/>
+  </p:clrMapOvr>
+</p:sld>
+</file>
+
+<file path=ppt/slides/slide18.xml><?xml version="1.0" encoding="utf-8"?>
+<p:sld xmlns:a="http://schemas.openxmlformats.org/drawingml/2006/main" xmlns:r="http://schemas.openxmlformats.org/officeDocument/2006/relationships" xmlns:mc="http://schemas.openxmlformats.org/markup-compatibility/2006" xmlns:mv="urn:schemas-microsoft-com:mac:vml" xmlns:p="http://schemas.openxmlformats.org/presentationml/2006/main" xmlns:c="http://schemas.openxmlformats.org/drawingml/2006/chart" xmlns:dgm="http://schemas.openxmlformats.org/drawingml/2006/diagram" xmlns:o="urn:schemas-microsoft-com:office:office" xmlns:v="urn:schemas-microsoft-com:vml" xmlns:pvml="urn:schemas-microsoft-com:office:powerpoint" xmlns:com="http://schemas.openxmlformats.org/drawingml/2006/compatibility" xmlns:p14="http://schemas.microsoft.com/office/powerpoint/2010/main" xmlns:p15="http://schemas.microsoft.com/office/powerpoint/2012/main">
+  <p:cSld>
+    <p:spTree>
+      <p:nvGrpSpPr>
+        <p:cNvPr id="283" name="Shape 283"/>
+        <p:cNvGrpSpPr/>
+        <p:nvPr/>
+      </p:nvGrpSpPr>
+      <p:grpSpPr>
+        <a:xfrm>
+          <a:off x="0" y="0"/>
+          <a:ext cx="0" cy="0"/>
+          <a:chOff x="0" y="0"/>
+          <a:chExt cx="0" cy="0"/>
+        </a:xfrm>
+      </p:grpSpPr>
+      <p:sp>
+        <p:nvSpPr>
+          <p:cNvPr id="284" name="Google Shape;284;p30"/>
+          <p:cNvSpPr txBox="1"/>
+          <p:nvPr>
+            <p:ph idx="1" type="subTitle"/>
+          </p:nvPr>
+        </p:nvSpPr>
+        <p:spPr>
+          <a:xfrm>
+            <a:off x="5531650" y="360738"/>
+            <a:ext cx="2742600" cy="888900"/>
+          </a:xfrm>
+          <a:prstGeom prst="rect">
+            <a:avLst/>
+          </a:prstGeom>
+        </p:spPr>
+        <p:txBody>
+          <a:bodyPr anchorCtr="0" anchor="t" bIns="91425" lIns="91425" spcFirstLastPara="1" rIns="91425" wrap="square" tIns="91425">
+            <a:noAutofit/>
+          </a:bodyPr>
+          <a:lstStyle/>
+          <a:p>
+            <a:pPr indent="0" lvl="0" marL="0" rtl="0" algn="ctr">
+              <a:spcBef>
+                <a:spcPts val="0"/>
+              </a:spcBef>
+              <a:spcAft>
+                <a:spcPts val="0"/>
+              </a:spcAft>
+              <a:buNone/>
+            </a:pPr>
+            <a:r>
+              <a:rPr lang="en" sz="3000"/>
+              <a:t>Tech Demo</a:t>
+            </a:r>
+            <a:endParaRPr sz="3000"/>
+          </a:p>
+        </p:txBody>
+      </p:sp>
+      <p:pic>
+        <p:nvPicPr>
+          <p:cNvPr id="285" name="Google Shape;285;p30"/>
+          <p:cNvPicPr preferRelativeResize="0"/>
+          <p:nvPr/>
+        </p:nvPicPr>
+        <p:blipFill>
+          <a:blip r:embed="rId3">
+            <a:alphaModFix/>
+          </a:blip>
+          <a:stretch>
+            <a:fillRect/>
+          </a:stretch>
+        </p:blipFill>
+        <p:spPr>
+          <a:xfrm>
+            <a:off x="7532575" y="4098425"/>
+            <a:ext cx="1917650" cy="1438251"/>
+          </a:xfrm>
+          <a:prstGeom prst="rect">
+            <a:avLst/>
+          </a:prstGeom>
+          <a:noFill/>
+          <a:ln>
+            <a:noFill/>
+          </a:ln>
+        </p:spPr>
+      </p:pic>
+      <p:sp>
+        <p:nvSpPr>
+          <p:cNvPr id="286" name="Google Shape;286;p30"/>
           <p:cNvSpPr txBox="1"/>
           <p:nvPr>
             <p:ph idx="4294967295" type="body"/>
@@ -12807,7 +14151,7 @@
                 <a:cs typeface="Arial"/>
                 <a:sym typeface="Arial"/>
               </a:rPr>
-              <a:t>15</a:t>
+              <a:t>17</a:t>
             </a:r>
             <a:endParaRPr>
               <a:solidFill>
@@ -12817,46 +14161,36 @@
           </a:p>
         </p:txBody>
       </p:sp>
-      <p:sp>
-        <p:nvSpPr>
-          <p:cNvPr id="267" name="Google Shape;267;p28"/>
-          <p:cNvSpPr txBox="1"/>
-          <p:nvPr>
-            <p:ph idx="1" type="subTitle"/>
-          </p:nvPr>
-        </p:nvSpPr>
+      <p:pic>
+        <p:nvPicPr>
+          <p:cNvPr descr="The Arigato robotics team focuses on building an exciting and interactive demo of the Aldebaran NAO robots, with an emphasis on human interaction. This is for CS 481 at Central Washington University." id="287" name="Google Shape;287;p30" title="AriGato Robotics Team Video">
+            <a:hlinkClick r:id="rId4"/>
+          </p:cNvPr>
+          <p:cNvPicPr preferRelativeResize="0"/>
+          <p:nvPr/>
+        </p:nvPicPr>
+        <p:blipFill>
+          <a:blip r:embed="rId5">
+            <a:alphaModFix/>
+          </a:blip>
+          <a:stretch>
+            <a:fillRect/>
+          </a:stretch>
+        </p:blipFill>
         <p:spPr>
           <a:xfrm>
-            <a:off x="3423875" y="2004272"/>
-            <a:ext cx="2742600" cy="679800"/>
+            <a:off x="2286000" y="1043713"/>
+            <a:ext cx="4572000" cy="3429000"/>
           </a:xfrm>
           <a:prstGeom prst="rect">
             <a:avLst/>
           </a:prstGeom>
+          <a:noFill/>
+          <a:ln>
+            <a:noFill/>
+          </a:ln>
         </p:spPr>
-        <p:txBody>
-          <a:bodyPr anchorCtr="0" anchor="t" bIns="91425" lIns="91425" spcFirstLastPara="1" rIns="91425" wrap="square" tIns="91425">
-            <a:noAutofit/>
-          </a:bodyPr>
-          <a:lstStyle/>
-          <a:p>
-            <a:pPr indent="0" lvl="0" marL="0" rtl="0" algn="ctr">
-              <a:spcBef>
-                <a:spcPts val="0"/>
-              </a:spcBef>
-              <a:spcAft>
-                <a:spcPts val="0"/>
-              </a:spcAft>
-              <a:buNone/>
-            </a:pPr>
-            <a:r>
-              <a:rPr lang="en" sz="3000"/>
-              <a:t>[Video here]</a:t>
-            </a:r>
-            <a:endParaRPr sz="3000"/>
-          </a:p>
-        </p:txBody>
-      </p:sp>
+      </p:pic>
     </p:spTree>
   </p:cSld>
   <p:clrMapOvr>
@@ -12865,12 +14199,12 @@
 </p:sld>
 </file>
 
-<file path=ppt/slides/slide17.xml><?xml version="1.0" encoding="utf-8"?>
+<file path=ppt/slides/slide19.xml><?xml version="1.0" encoding="utf-8"?>
 <p:sld xmlns:a="http://schemas.openxmlformats.org/drawingml/2006/main" xmlns:r="http://schemas.openxmlformats.org/officeDocument/2006/relationships" xmlns:mc="http://schemas.openxmlformats.org/markup-compatibility/2006" xmlns:mv="urn:schemas-microsoft-com:mac:vml" xmlns:p="http://schemas.openxmlformats.org/presentationml/2006/main" xmlns:c="http://schemas.openxmlformats.org/drawingml/2006/chart" xmlns:dgm="http://schemas.openxmlformats.org/drawingml/2006/diagram" xmlns:o="urn:schemas-microsoft-com:office:office" xmlns:v="urn:schemas-microsoft-com:vml" xmlns:pvml="urn:schemas-microsoft-com:office:powerpoint" xmlns:com="http://schemas.openxmlformats.org/drawingml/2006/compatibility" xmlns:p14="http://schemas.microsoft.com/office/powerpoint/2010/main" xmlns:p15="http://schemas.microsoft.com/office/powerpoint/2012/main">
   <p:cSld>
     <p:spTree>
       <p:nvGrpSpPr>
-        <p:cNvPr id="271" name="Shape 271"/>
+        <p:cNvPr id="291" name="Shape 291"/>
         <p:cNvGrpSpPr/>
         <p:nvPr/>
       </p:nvGrpSpPr>
@@ -12884,7 +14218,7 @@
       </p:grpSpPr>
       <p:sp>
         <p:nvSpPr>
-          <p:cNvPr id="272" name="Google Shape;272;p29"/>
+          <p:cNvPr id="292" name="Google Shape;292;p31"/>
           <p:cNvSpPr txBox="1"/>
           <p:nvPr>
             <p:ph idx="1" type="subTitle"/>
@@ -13015,7 +14349,7 @@
       </p:sp>
       <p:sp>
         <p:nvSpPr>
-          <p:cNvPr id="273" name="Google Shape;273;p29"/>
+          <p:cNvPr id="293" name="Google Shape;293;p31"/>
           <p:cNvSpPr txBox="1"/>
           <p:nvPr>
             <p:ph idx="4294967295" type="body"/>
@@ -13060,7 +14394,7 @@
                 <a:cs typeface="Arial"/>
                 <a:sym typeface="Arial"/>
               </a:rPr>
-              <a:t>16</a:t>
+              <a:t>18</a:t>
             </a:r>
             <a:endParaRPr>
               <a:solidFill>
@@ -13072,7 +14406,7 @@
       </p:sp>
       <p:pic>
         <p:nvPicPr>
-          <p:cNvPr id="274" name="Google Shape;274;p29"/>
+          <p:cNvPr id="294" name="Google Shape;294;p31"/>
           <p:cNvPicPr preferRelativeResize="0"/>
           <p:nvPr/>
         </p:nvPicPr>
@@ -13100,7 +14434,7 @@
       </p:pic>
       <p:pic>
         <p:nvPicPr>
-          <p:cNvPr id="275" name="Google Shape;275;p29"/>
+          <p:cNvPr id="295" name="Google Shape;295;p31"/>
           <p:cNvPicPr preferRelativeResize="0"/>
           <p:nvPr/>
         </p:nvPicPr>
@@ -13201,8 +14535,8 @@
         </p:nvSpPr>
         <p:spPr>
           <a:xfrm>
-            <a:off x="1245000" y="906200"/>
-            <a:ext cx="6654000" cy="4172100"/>
+            <a:off x="1020950" y="906200"/>
+            <a:ext cx="7133700" cy="4172100"/>
           </a:xfrm>
           <a:prstGeom prst="rect">
             <a:avLst/>
@@ -13214,19 +14548,19 @@
           </a:bodyPr>
           <a:lstStyle/>
           <a:p>
-            <a:pPr indent="-342900" lvl="0" marL="457200" rtl="0" algn="just">
-              <a:spcBef>
-                <a:spcPts val="0"/>
-              </a:spcBef>
-              <a:spcAft>
-                <a:spcPts val="0"/>
-              </a:spcAft>
-              <a:buSzPts val="1800"/>
+            <a:pPr indent="-330200" lvl="0" marL="457200" rtl="0" algn="just">
+              <a:spcBef>
+                <a:spcPts val="0"/>
+              </a:spcBef>
+              <a:spcAft>
+                <a:spcPts val="0"/>
+              </a:spcAft>
+              <a:buSzPts val="1600"/>
               <a:buFont typeface="Arial"/>
               <a:buChar char="●"/>
             </a:pPr>
             <a:r>
-              <a:rPr lang="en" sz="1800">
+              <a:rPr lang="en" sz="1600">
                 <a:latin typeface="Arial"/>
                 <a:ea typeface="Arial"/>
                 <a:cs typeface="Arial"/>
@@ -13234,7 +14568,7 @@
               </a:rPr>
               <a:t>Recap from Last Quarter</a:t>
             </a:r>
-            <a:endParaRPr sz="1800">
+            <a:endParaRPr sz="1600">
               <a:latin typeface="Arial"/>
               <a:ea typeface="Arial"/>
               <a:cs typeface="Arial"/>
@@ -13254,7 +14588,7 @@
             <a:r>
               <a:t/>
             </a:r>
-            <a:endParaRPr sz="1800">
+            <a:endParaRPr sz="1600">
               <a:latin typeface="Arial"/>
               <a:ea typeface="Arial"/>
               <a:cs typeface="Arial"/>
@@ -13262,19 +14596,28 @@
             </a:endParaRPr>
           </a:p>
           <a:p>
-            <a:pPr indent="-342900" lvl="0" marL="457200" rtl="0" algn="l">
-              <a:spcBef>
-                <a:spcPts val="0"/>
-              </a:spcBef>
-              <a:spcAft>
-                <a:spcPts val="0"/>
-              </a:spcAft>
-              <a:buSzPts val="1800"/>
+            <a:pPr indent="-330200" lvl="0" marL="457200" rtl="0" algn="l">
+              <a:spcBef>
+                <a:spcPts val="0"/>
+              </a:spcBef>
+              <a:spcAft>
+                <a:spcPts val="0"/>
+              </a:spcAft>
+              <a:buSzPts val="1600"/>
               <a:buFont typeface="Arial"/>
               <a:buChar char="●"/>
             </a:pPr>
             <a:r>
-              <a:rPr lang="en" sz="1800">
+              <a:rPr lang="en" sz="1600">
+                <a:latin typeface="Arial"/>
+                <a:ea typeface="Arial"/>
+                <a:cs typeface="Arial"/>
+                <a:sym typeface="Arial"/>
+              </a:rPr>
+              <a:t>Requirements and </a:t>
+            </a:r>
+            <a:r>
+              <a:rPr lang="en" sz="1600">
                 <a:latin typeface="Arial"/>
                 <a:ea typeface="Arial"/>
                 <a:cs typeface="Arial"/>
@@ -13282,7 +14625,7 @@
               </a:rPr>
               <a:t>NAO’s Past, Present, &amp; Future Capabilities</a:t>
             </a:r>
-            <a:endParaRPr sz="1800">
+            <a:endParaRPr sz="1600">
               <a:latin typeface="Arial"/>
               <a:ea typeface="Arial"/>
               <a:cs typeface="Arial"/>
@@ -13302,7 +14645,7 @@
             <a:r>
               <a:t/>
             </a:r>
-            <a:endParaRPr sz="1800">
+            <a:endParaRPr sz="1600">
               <a:latin typeface="Arial"/>
               <a:ea typeface="Arial"/>
               <a:cs typeface="Arial"/>
@@ -13310,19 +14653,19 @@
             </a:endParaRPr>
           </a:p>
           <a:p>
-            <a:pPr indent="-342900" lvl="0" marL="457200" rtl="0" algn="l">
-              <a:spcBef>
-                <a:spcPts val="0"/>
-              </a:spcBef>
-              <a:spcAft>
-                <a:spcPts val="0"/>
-              </a:spcAft>
-              <a:buSzPts val="1800"/>
+            <a:pPr indent="-330200" lvl="0" marL="457200" rtl="0" algn="l">
+              <a:spcBef>
+                <a:spcPts val="0"/>
+              </a:spcBef>
+              <a:spcAft>
+                <a:spcPts val="0"/>
+              </a:spcAft>
+              <a:buSzPts val="1600"/>
               <a:buFont typeface="Arial"/>
               <a:buChar char="●"/>
             </a:pPr>
             <a:r>
-              <a:rPr lang="en" sz="1800">
+              <a:rPr lang="en" sz="1600">
                 <a:latin typeface="Arial"/>
                 <a:ea typeface="Arial"/>
                 <a:cs typeface="Arial"/>
@@ -13330,7 +14673,7 @@
               </a:rPr>
               <a:t>Coding with NAO (Choregraphe, etc.)</a:t>
             </a:r>
-            <a:endParaRPr sz="1800">
+            <a:endParaRPr sz="1600">
               <a:latin typeface="Arial"/>
               <a:ea typeface="Arial"/>
               <a:cs typeface="Arial"/>
@@ -13350,7 +14693,7 @@
             <a:r>
               <a:t/>
             </a:r>
-            <a:endParaRPr sz="1800">
+            <a:endParaRPr sz="1600">
               <a:latin typeface="Arial"/>
               <a:ea typeface="Arial"/>
               <a:cs typeface="Arial"/>
@@ -13358,19 +14701,19 @@
             </a:endParaRPr>
           </a:p>
           <a:p>
-            <a:pPr indent="-342900" lvl="0" marL="457200" rtl="0" algn="just">
-              <a:spcBef>
-                <a:spcPts val="0"/>
-              </a:spcBef>
-              <a:spcAft>
-                <a:spcPts val="0"/>
-              </a:spcAft>
-              <a:buSzPts val="1800"/>
+            <a:pPr indent="-330200" lvl="0" marL="457200" rtl="0" algn="just">
+              <a:spcBef>
+                <a:spcPts val="0"/>
+              </a:spcBef>
+              <a:spcAft>
+                <a:spcPts val="0"/>
+              </a:spcAft>
+              <a:buSzPts val="1600"/>
               <a:buFont typeface="Arial"/>
               <a:buChar char="●"/>
             </a:pPr>
             <a:r>
-              <a:rPr lang="en" sz="1800">
+              <a:rPr lang="en" sz="1600">
                 <a:latin typeface="Arial"/>
                 <a:ea typeface="Arial"/>
                 <a:cs typeface="Arial"/>
@@ -13379,7 +14722,7 @@
               <a:t>Problems/Issues </a:t>
             </a:r>
             <a:r>
-              <a:rPr lang="en" sz="1800">
+              <a:rPr lang="en" sz="1600">
                 <a:latin typeface="Arial"/>
                 <a:ea typeface="Arial"/>
                 <a:cs typeface="Arial"/>
@@ -13387,7 +14730,7 @@
               </a:rPr>
               <a:t>Thus Far</a:t>
             </a:r>
-            <a:endParaRPr sz="1800">
+            <a:endParaRPr sz="1600">
               <a:latin typeface="Arial"/>
               <a:ea typeface="Arial"/>
               <a:cs typeface="Arial"/>
@@ -13407,7 +14750,7 @@
             <a:r>
               <a:t/>
             </a:r>
-            <a:endParaRPr sz="1800">
+            <a:endParaRPr sz="1600">
               <a:latin typeface="Arial"/>
               <a:ea typeface="Arial"/>
               <a:cs typeface="Arial"/>
@@ -13415,27 +14758,27 @@
             </a:endParaRPr>
           </a:p>
           <a:p>
-            <a:pPr indent="-342900" lvl="0" marL="457200" rtl="0" algn="just">
-              <a:spcBef>
-                <a:spcPts val="0"/>
-              </a:spcBef>
-              <a:spcAft>
-                <a:spcPts val="0"/>
-              </a:spcAft>
-              <a:buSzPts val="1800"/>
+            <a:pPr indent="-330200" lvl="0" marL="457200" rtl="0" algn="just">
+              <a:spcBef>
+                <a:spcPts val="0"/>
+              </a:spcBef>
+              <a:spcAft>
+                <a:spcPts val="0"/>
+              </a:spcAft>
+              <a:buSzPts val="1600"/>
               <a:buFont typeface="Arial"/>
               <a:buChar char="●"/>
             </a:pPr>
             <a:r>
-              <a:rPr lang="en" sz="1800">
+              <a:rPr lang="en" sz="1600">
                 <a:latin typeface="Arial"/>
                 <a:ea typeface="Arial"/>
                 <a:cs typeface="Arial"/>
                 <a:sym typeface="Arial"/>
               </a:rPr>
-              <a:t>Remaining Project Schedule</a:t>
-            </a:r>
-            <a:endParaRPr sz="1800">
+              <a:t>Remaining Project Schedule (Gantt Chart)</a:t>
+            </a:r>
+            <a:endParaRPr sz="1600">
               <a:latin typeface="Arial"/>
               <a:ea typeface="Arial"/>
               <a:cs typeface="Arial"/>
@@ -13443,7 +14786,7 @@
             </a:endParaRPr>
           </a:p>
           <a:p>
-            <a:pPr indent="0" lvl="0" marL="0" rtl="0" algn="just">
+            <a:pPr indent="0" lvl="0" marL="457200" rtl="0" algn="just">
               <a:spcBef>
                 <a:spcPts val="0"/>
               </a:spcBef>
@@ -13455,7 +14798,7 @@
             <a:r>
               <a:t/>
             </a:r>
-            <a:endParaRPr sz="1800">
+            <a:endParaRPr sz="1600">
               <a:latin typeface="Arial"/>
               <a:ea typeface="Arial"/>
               <a:cs typeface="Arial"/>
@@ -13463,19 +14806,67 @@
             </a:endParaRPr>
           </a:p>
           <a:p>
-            <a:pPr indent="-342900" lvl="0" marL="457200" rtl="0" algn="just">
-              <a:spcBef>
-                <a:spcPts val="0"/>
-              </a:spcBef>
-              <a:spcAft>
-                <a:spcPts val="0"/>
-              </a:spcAft>
-              <a:buSzPts val="1800"/>
+            <a:pPr indent="-330200" lvl="0" marL="457200" rtl="0" algn="just">
+              <a:spcBef>
+                <a:spcPts val="0"/>
+              </a:spcBef>
+              <a:spcAft>
+                <a:spcPts val="0"/>
+              </a:spcAft>
+              <a:buSzPts val="1600"/>
               <a:buFont typeface="Arial"/>
               <a:buChar char="●"/>
             </a:pPr>
             <a:r>
-              <a:rPr lang="en" sz="1800">
+              <a:rPr lang="en" sz="1600">
+                <a:latin typeface="Arial"/>
+                <a:ea typeface="Arial"/>
+                <a:cs typeface="Arial"/>
+                <a:sym typeface="Arial"/>
+              </a:rPr>
+              <a:t>Conclusions</a:t>
+            </a:r>
+            <a:endParaRPr sz="1600">
+              <a:latin typeface="Arial"/>
+              <a:ea typeface="Arial"/>
+              <a:cs typeface="Arial"/>
+              <a:sym typeface="Arial"/>
+            </a:endParaRPr>
+          </a:p>
+          <a:p>
+            <a:pPr indent="0" lvl="0" marL="0" rtl="0" algn="just">
+              <a:spcBef>
+                <a:spcPts val="0"/>
+              </a:spcBef>
+              <a:spcAft>
+                <a:spcPts val="0"/>
+              </a:spcAft>
+              <a:buNone/>
+            </a:pPr>
+            <a:r>
+              <a:t/>
+            </a:r>
+            <a:endParaRPr sz="1600">
+              <a:latin typeface="Arial"/>
+              <a:ea typeface="Arial"/>
+              <a:cs typeface="Arial"/>
+              <a:sym typeface="Arial"/>
+            </a:endParaRPr>
+          </a:p>
+          <a:p>
+            <a:pPr indent="-330200" lvl="0" marL="457200" rtl="0" algn="just">
+              <a:spcBef>
+                <a:spcPts val="0"/>
+              </a:spcBef>
+              <a:spcAft>
+                <a:spcPts val="0"/>
+              </a:spcAft>
+              <a:buSzPts val="1600"/>
+              <a:buFont typeface="Arial"/>
+              <a:buChar char="●"/>
+            </a:pPr>
+            <a:r>
+              <a:rPr lang="en" sz="1600">
                 <a:latin typeface="Arial"/>
                 <a:ea typeface="Arial"/>
                 <a:cs typeface="Arial"/>
@@ -13483,7 +14874,7 @@
               </a:rPr>
               <a:t>Tech Demo</a:t>
             </a:r>
-            <a:endParaRPr sz="1800">
+            <a:endParaRPr sz="1600">
               <a:latin typeface="Arial"/>
               <a:ea typeface="Arial"/>
               <a:cs typeface="Arial"/>
@@ -13774,7 +15165,7 @@
                 <a:cs typeface="Arial"/>
                 <a:sym typeface="Arial"/>
               </a:rPr>
-              <a:t>Our Goal:</a:t>
+              <a:t>Problem Statement:</a:t>
             </a:r>
             <a:r>
               <a:rPr lang="en" sz="2000">
@@ -14021,7 +15412,7 @@
             </a:pPr>
             <a:r>
               <a:rPr lang="en" sz="3000"/>
-              <a:t>Past, Present, &amp; The Future!</a:t>
+              <a:t>Past, NAO, &amp; The Future!</a:t>
             </a:r>
             <a:endParaRPr sz="3000"/>
           </a:p>
@@ -14199,7 +15590,7 @@
             </a:pPr>
             <a:r>
               <a:rPr lang="en"/>
-              <a:t>NAO’s Initial Capabilities</a:t>
+              <a:t>Requirements &amp; NAO’s Initial Capabilities</a:t>
             </a:r>
             <a:endParaRPr/>
           </a:p>
@@ -14215,8 +15606,8 @@
         </p:nvSpPr>
         <p:spPr>
           <a:xfrm>
-            <a:off x="1297500" y="1307850"/>
-            <a:ext cx="7038900" cy="2911200"/>
+            <a:off x="4572000" y="1116150"/>
+            <a:ext cx="4660200" cy="2911200"/>
           </a:xfrm>
           <a:prstGeom prst="rect">
             <a:avLst/>
@@ -14228,27 +15619,25 @@
           </a:bodyPr>
           <a:lstStyle/>
           <a:p>
-            <a:pPr indent="-355600" lvl="0" marL="457200" rtl="0" algn="just">
-              <a:spcBef>
-                <a:spcPts val="0"/>
-              </a:spcBef>
-              <a:spcAft>
-                <a:spcPts val="0"/>
-              </a:spcAft>
-              <a:buSzPts val="2000"/>
-              <a:buFont typeface="Arial"/>
-              <a:buChar char="●"/>
-            </a:pPr>
-            <a:r>
-              <a:rPr lang="en" sz="2000">
+            <a:pPr indent="0" lvl="0" marL="0" rtl="0" algn="just">
+              <a:spcBef>
+                <a:spcPts val="0"/>
+              </a:spcBef>
+              <a:spcAft>
+                <a:spcPts val="0"/>
+              </a:spcAft>
+              <a:buNone/>
+            </a:pPr>
+            <a:r>
+              <a:rPr lang="en" sz="1600">
                 <a:latin typeface="Arial"/>
                 <a:ea typeface="Arial"/>
                 <a:cs typeface="Arial"/>
                 <a:sym typeface="Arial"/>
               </a:rPr>
-              <a:t>Basic information about its onboard systems</a:t>
-            </a:r>
-            <a:endParaRPr sz="2000">
+              <a:t>Initial Capabilities:</a:t>
+            </a:r>
+            <a:endParaRPr sz="1600">
               <a:latin typeface="Arial"/>
               <a:ea typeface="Arial"/>
               <a:cs typeface="Arial"/>
@@ -14256,44 +15645,19 @@
             </a:endParaRPr>
           </a:p>
           <a:p>
-            <a:pPr indent="0" lvl="0" marL="457200" rtl="0" algn="just">
-              <a:spcBef>
-                <a:spcPts val="0"/>
-              </a:spcBef>
-              <a:spcAft>
-                <a:spcPts val="0"/>
-              </a:spcAft>
-              <a:buClr>
-                <a:srgbClr val="000000"/>
-              </a:buClr>
-              <a:buSzPts val="1100"/>
-              <a:buFont typeface="Arial"/>
-              <a:buNone/>
-            </a:pPr>
-            <a:r>
-              <a:t/>
-            </a:r>
-            <a:endParaRPr sz="2000">
-              <a:latin typeface="Arial"/>
-              <a:ea typeface="Arial"/>
-              <a:cs typeface="Arial"/>
-              <a:sym typeface="Arial"/>
-            </a:endParaRPr>
-          </a:p>
-          <a:p>
-            <a:pPr indent="-355600" lvl="0" marL="457200" rtl="0" algn="just">
-              <a:spcBef>
-                <a:spcPts val="0"/>
-              </a:spcBef>
-              <a:spcAft>
-                <a:spcPts val="0"/>
-              </a:spcAft>
-              <a:buSzPts val="2000"/>
+            <a:pPr indent="-330200" lvl="0" marL="457200" rtl="0" algn="just">
+              <a:spcBef>
+                <a:spcPts val="0"/>
+              </a:spcBef>
+              <a:spcAft>
+                <a:spcPts val="0"/>
+              </a:spcAft>
+              <a:buSzPts val="1600"/>
               <a:buFont typeface="Arial"/>
               <a:buChar char="●"/>
             </a:pPr>
             <a:r>
-              <a:rPr lang="en" sz="2000">
+              <a:rPr lang="en" sz="1600">
                 <a:latin typeface="Arial"/>
                 <a:ea typeface="Arial"/>
                 <a:cs typeface="Arial"/>
@@ -14301,7 +15665,7 @@
               </a:rPr>
               <a:t>Simple responses (e.g. “Hello”)</a:t>
             </a:r>
-            <a:endParaRPr sz="2000">
+            <a:endParaRPr sz="1600">
               <a:latin typeface="Arial"/>
               <a:ea typeface="Arial"/>
               <a:cs typeface="Arial"/>
@@ -14309,7 +15673,81 @@
             </a:endParaRPr>
           </a:p>
           <a:p>
+            <a:pPr indent="0" lvl="0" marL="0" rtl="0" algn="just">
+              <a:spcBef>
+                <a:spcPts val="0"/>
+              </a:spcBef>
+              <a:spcAft>
+                <a:spcPts val="0"/>
+              </a:spcAft>
+              <a:buNone/>
+            </a:pPr>
+            <a:r>
+              <a:t/>
+            </a:r>
+            <a:endParaRPr sz="1600">
+              <a:latin typeface="Arial"/>
+              <a:ea typeface="Arial"/>
+              <a:cs typeface="Arial"/>
+              <a:sym typeface="Arial"/>
+            </a:endParaRPr>
+          </a:p>
+          <a:p>
+            <a:pPr indent="-330200" lvl="0" marL="457200" rtl="0" algn="just">
+              <a:spcBef>
+                <a:spcPts val="0"/>
+              </a:spcBef>
+              <a:spcAft>
+                <a:spcPts val="0"/>
+              </a:spcAft>
+              <a:buSzPts val="1600"/>
+              <a:buFont typeface="Arial"/>
+              <a:buChar char="●"/>
+            </a:pPr>
+            <a:r>
+              <a:rPr lang="en" sz="1600">
+                <a:latin typeface="Arial"/>
+                <a:ea typeface="Arial"/>
+                <a:cs typeface="Arial"/>
+                <a:sym typeface="Arial"/>
+              </a:rPr>
+              <a:t>Basic information about </a:t>
+            </a:r>
+            <a:endParaRPr sz="1600">
+              <a:latin typeface="Arial"/>
+              <a:ea typeface="Arial"/>
+              <a:cs typeface="Arial"/>
+              <a:sym typeface="Arial"/>
+            </a:endParaRPr>
+          </a:p>
+          <a:p>
             <a:pPr indent="0" lvl="0" marL="457200" rtl="0" algn="just">
+              <a:spcBef>
+                <a:spcPts val="0"/>
+              </a:spcBef>
+              <a:spcAft>
+                <a:spcPts val="0"/>
+              </a:spcAft>
+              <a:buNone/>
+            </a:pPr>
+            <a:r>
+              <a:rPr lang="en" sz="1600">
+                <a:latin typeface="Arial"/>
+                <a:ea typeface="Arial"/>
+                <a:cs typeface="Arial"/>
+                <a:sym typeface="Arial"/>
+              </a:rPr>
+              <a:t>its onboard systems</a:t>
+            </a:r>
+            <a:endParaRPr sz="1600">
+              <a:latin typeface="Arial"/>
+              <a:ea typeface="Arial"/>
+              <a:cs typeface="Arial"/>
+              <a:sym typeface="Arial"/>
+            </a:endParaRPr>
+          </a:p>
+          <a:p>
+            <a:pPr indent="0" lvl="0" marL="0" rtl="0" algn="just">
               <a:spcBef>
                 <a:spcPts val="0"/>
               </a:spcBef>
@@ -14326,7 +15764,7 @@
             <a:r>
               <a:t/>
             </a:r>
-            <a:endParaRPr sz="2000">
+            <a:endParaRPr sz="1600">
               <a:latin typeface="Arial"/>
               <a:ea typeface="Arial"/>
               <a:cs typeface="Arial"/>
@@ -14334,19 +15772,19 @@
             </a:endParaRPr>
           </a:p>
           <a:p>
-            <a:pPr indent="-355600" lvl="0" marL="457200" rtl="0" algn="just">
-              <a:spcBef>
-                <a:spcPts val="0"/>
-              </a:spcBef>
-              <a:spcAft>
-                <a:spcPts val="0"/>
-              </a:spcAft>
-              <a:buSzPts val="2000"/>
+            <a:pPr indent="-330200" lvl="0" marL="457200" rtl="0" algn="just">
+              <a:spcBef>
+                <a:spcPts val="0"/>
+              </a:spcBef>
+              <a:spcAft>
+                <a:spcPts val="0"/>
+              </a:spcAft>
+              <a:buSzPts val="1600"/>
               <a:buFont typeface="Arial"/>
               <a:buChar char="●"/>
             </a:pPr>
             <a:r>
-              <a:rPr lang="en" sz="2000">
+              <a:rPr lang="en" sz="1600">
                 <a:latin typeface="Arial"/>
                 <a:ea typeface="Arial"/>
                 <a:cs typeface="Arial"/>
@@ -14354,7 +15792,7 @@
               </a:rPr>
               <a:t>Few movement options</a:t>
             </a:r>
-            <a:endParaRPr sz="2000">
+            <a:endParaRPr sz="1600">
               <a:latin typeface="Arial"/>
               <a:ea typeface="Arial"/>
               <a:cs typeface="Arial"/>
@@ -14379,7 +15817,7 @@
             <a:r>
               <a:t/>
             </a:r>
-            <a:endParaRPr sz="2000">
+            <a:endParaRPr sz="1600">
               <a:latin typeface="Arial"/>
               <a:ea typeface="Arial"/>
               <a:cs typeface="Arial"/>
@@ -14387,19 +15825,19 @@
             </a:endParaRPr>
           </a:p>
           <a:p>
-            <a:pPr indent="-355600" lvl="0" marL="457200" rtl="0" algn="just">
-              <a:spcBef>
-                <a:spcPts val="0"/>
-              </a:spcBef>
-              <a:spcAft>
-                <a:spcPts val="0"/>
-              </a:spcAft>
-              <a:buSzPts val="2000"/>
+            <a:pPr indent="-330200" lvl="0" marL="457200" rtl="0" algn="just">
+              <a:spcBef>
+                <a:spcPts val="0"/>
+              </a:spcBef>
+              <a:spcAft>
+                <a:spcPts val="0"/>
+              </a:spcAft>
+              <a:buSzPts val="1600"/>
               <a:buFont typeface="Arial"/>
               <a:buChar char="●"/>
             </a:pPr>
             <a:r>
-              <a:rPr lang="en" sz="2000">
+              <a:rPr lang="en" sz="1600">
                 <a:latin typeface="Arial"/>
                 <a:ea typeface="Arial"/>
                 <a:cs typeface="Arial"/>
@@ -14407,7 +15845,7 @@
               </a:rPr>
               <a:t>Various language options</a:t>
             </a:r>
-            <a:endParaRPr/>
+            <a:endParaRPr sz="1600"/>
           </a:p>
         </p:txBody>
       </p:sp>
@@ -14502,18 +15940,17 @@
           <p:cNvPicPr preferRelativeResize="0"/>
           <p:nvPr/>
         </p:nvPicPr>
-        <p:blipFill>
+        <p:blipFill rotWithShape="1">
           <a:blip r:embed="rId4">
             <a:alphaModFix/>
           </a:blip>
-          <a:stretch>
-            <a:fillRect/>
-          </a:stretch>
+          <a:srcRect b="14376" l="0" r="0" t="0"/>
+          <a:stretch/>
         </p:blipFill>
         <p:spPr>
           <a:xfrm>
-            <a:off x="5290175" y="3009450"/>
-            <a:ext cx="2272176" cy="2492274"/>
+            <a:off x="2860663" y="3750525"/>
+            <a:ext cx="2272176" cy="2134049"/>
           </a:xfrm>
           <a:prstGeom prst="rect">
             <a:avLst/>
@@ -14524,6 +15961,251 @@
           </a:ln>
         </p:spPr>
       </p:pic>
+      <p:sp>
+        <p:nvSpPr>
+          <p:cNvPr id="177" name="Google Shape;177;p17"/>
+          <p:cNvSpPr txBox="1"/>
+          <p:nvPr>
+            <p:ph idx="1" type="body"/>
+          </p:nvPr>
+        </p:nvSpPr>
+        <p:spPr>
+          <a:xfrm>
+            <a:off x="1041300" y="1116150"/>
+            <a:ext cx="4660200" cy="2911200"/>
+          </a:xfrm>
+          <a:prstGeom prst="rect">
+            <a:avLst/>
+          </a:prstGeom>
+        </p:spPr>
+        <p:txBody>
+          <a:bodyPr anchorCtr="0" anchor="t" bIns="91425" lIns="91425" spcFirstLastPara="1" rIns="91425" wrap="square" tIns="91425">
+            <a:noAutofit/>
+          </a:bodyPr>
+          <a:lstStyle/>
+          <a:p>
+            <a:pPr indent="0" lvl="0" marL="0" rtl="0" algn="just">
+              <a:spcBef>
+                <a:spcPts val="0"/>
+              </a:spcBef>
+              <a:spcAft>
+                <a:spcPts val="0"/>
+              </a:spcAft>
+              <a:buNone/>
+            </a:pPr>
+            <a:r>
+              <a:rPr lang="en" sz="1600">
+                <a:latin typeface="Arial"/>
+                <a:ea typeface="Arial"/>
+                <a:cs typeface="Arial"/>
+                <a:sym typeface="Arial"/>
+              </a:rPr>
+              <a:t>Our Requirements</a:t>
+            </a:r>
+            <a:r>
+              <a:rPr lang="en" sz="1600">
+                <a:latin typeface="Arial"/>
+                <a:ea typeface="Arial"/>
+                <a:cs typeface="Arial"/>
+                <a:sym typeface="Arial"/>
+              </a:rPr>
+              <a:t>:</a:t>
+            </a:r>
+            <a:endParaRPr sz="1600">
+              <a:latin typeface="Arial"/>
+              <a:ea typeface="Arial"/>
+              <a:cs typeface="Arial"/>
+              <a:sym typeface="Arial"/>
+            </a:endParaRPr>
+          </a:p>
+          <a:p>
+            <a:pPr indent="-330200" lvl="0" marL="457200" rtl="0" algn="l">
+              <a:spcBef>
+                <a:spcPts val="0"/>
+              </a:spcBef>
+              <a:spcAft>
+                <a:spcPts val="0"/>
+              </a:spcAft>
+              <a:buSzPts val="1600"/>
+              <a:buFont typeface="Arial"/>
+              <a:buChar char="●"/>
+            </a:pPr>
+            <a:r>
+              <a:rPr lang="en" sz="1600">
+                <a:latin typeface="Arial"/>
+                <a:ea typeface="Arial"/>
+                <a:cs typeface="Arial"/>
+                <a:sym typeface="Arial"/>
+              </a:rPr>
+              <a:t>Respond verbally and physically </a:t>
+            </a:r>
+            <a:endParaRPr sz="1600">
+              <a:latin typeface="Arial"/>
+              <a:ea typeface="Arial"/>
+              <a:cs typeface="Arial"/>
+              <a:sym typeface="Arial"/>
+            </a:endParaRPr>
+          </a:p>
+          <a:p>
+            <a:pPr indent="0" lvl="0" marL="457200" rtl="0" algn="l">
+              <a:spcBef>
+                <a:spcPts val="0"/>
+              </a:spcBef>
+              <a:spcAft>
+                <a:spcPts val="0"/>
+              </a:spcAft>
+              <a:buNone/>
+            </a:pPr>
+            <a:r>
+              <a:rPr lang="en" sz="1600">
+                <a:latin typeface="Arial"/>
+                <a:ea typeface="Arial"/>
+                <a:cs typeface="Arial"/>
+                <a:sym typeface="Arial"/>
+              </a:rPr>
+              <a:t>to various commands</a:t>
+            </a:r>
+            <a:endParaRPr sz="1600">
+              <a:latin typeface="Arial"/>
+              <a:ea typeface="Arial"/>
+              <a:cs typeface="Arial"/>
+              <a:sym typeface="Arial"/>
+            </a:endParaRPr>
+          </a:p>
+          <a:p>
+            <a:pPr indent="0" lvl="0" marL="457200" rtl="0" algn="just">
+              <a:spcBef>
+                <a:spcPts val="0"/>
+              </a:spcBef>
+              <a:spcAft>
+                <a:spcPts val="0"/>
+              </a:spcAft>
+              <a:buClr>
+                <a:srgbClr val="000000"/>
+              </a:buClr>
+              <a:buSzPts val="1100"/>
+              <a:buFont typeface="Arial"/>
+              <a:buNone/>
+            </a:pPr>
+            <a:r>
+              <a:t/>
+            </a:r>
+            <a:endParaRPr sz="1600">
+              <a:latin typeface="Arial"/>
+              <a:ea typeface="Arial"/>
+              <a:cs typeface="Arial"/>
+              <a:sym typeface="Arial"/>
+            </a:endParaRPr>
+          </a:p>
+          <a:p>
+            <a:pPr indent="-330200" lvl="0" marL="457200" rtl="0" algn="just">
+              <a:spcBef>
+                <a:spcPts val="0"/>
+              </a:spcBef>
+              <a:spcAft>
+                <a:spcPts val="0"/>
+              </a:spcAft>
+              <a:buSzPts val="1600"/>
+              <a:buFont typeface="Arial"/>
+              <a:buChar char="●"/>
+            </a:pPr>
+            <a:r>
+              <a:rPr lang="en" sz="1600">
+                <a:latin typeface="Arial"/>
+                <a:ea typeface="Arial"/>
+                <a:cs typeface="Arial"/>
+                <a:sym typeface="Arial"/>
+              </a:rPr>
+              <a:t>Image-based detection</a:t>
+            </a:r>
+            <a:endParaRPr sz="1600">
+              <a:latin typeface="Arial"/>
+              <a:ea typeface="Arial"/>
+              <a:cs typeface="Arial"/>
+              <a:sym typeface="Arial"/>
+            </a:endParaRPr>
+          </a:p>
+          <a:p>
+            <a:pPr indent="0" lvl="0" marL="457200" rtl="0" algn="just">
+              <a:spcBef>
+                <a:spcPts val="0"/>
+              </a:spcBef>
+              <a:spcAft>
+                <a:spcPts val="0"/>
+              </a:spcAft>
+              <a:buClr>
+                <a:srgbClr val="000000"/>
+              </a:buClr>
+              <a:buSzPts val="1100"/>
+              <a:buFont typeface="Arial"/>
+              <a:buNone/>
+            </a:pPr>
+            <a:r>
+              <a:t/>
+            </a:r>
+            <a:endParaRPr sz="1600">
+              <a:latin typeface="Arial"/>
+              <a:ea typeface="Arial"/>
+              <a:cs typeface="Arial"/>
+              <a:sym typeface="Arial"/>
+            </a:endParaRPr>
+          </a:p>
+          <a:p>
+            <a:pPr indent="-330200" lvl="0" marL="457200" rtl="0" algn="just">
+              <a:spcBef>
+                <a:spcPts val="0"/>
+              </a:spcBef>
+              <a:spcAft>
+                <a:spcPts val="0"/>
+              </a:spcAft>
+              <a:buSzPts val="1600"/>
+              <a:buFont typeface="Arial"/>
+              <a:buChar char="●"/>
+            </a:pPr>
+            <a:r>
+              <a:rPr lang="en" sz="1600">
+                <a:latin typeface="Arial"/>
+                <a:ea typeface="Arial"/>
+                <a:cs typeface="Arial"/>
+                <a:sym typeface="Arial"/>
+              </a:rPr>
+              <a:t>Small games using </a:t>
+            </a:r>
+            <a:endParaRPr sz="1600">
+              <a:latin typeface="Arial"/>
+              <a:ea typeface="Arial"/>
+              <a:cs typeface="Arial"/>
+              <a:sym typeface="Arial"/>
+            </a:endParaRPr>
+          </a:p>
+          <a:p>
+            <a:pPr indent="0" lvl="0" marL="457200" rtl="0" algn="just">
+              <a:spcBef>
+                <a:spcPts val="0"/>
+              </a:spcBef>
+              <a:spcAft>
+                <a:spcPts val="0"/>
+              </a:spcAft>
+              <a:buNone/>
+            </a:pPr>
+            <a:r>
+              <a:rPr lang="en" sz="1600">
+                <a:latin typeface="Arial"/>
+                <a:ea typeface="Arial"/>
+                <a:cs typeface="Arial"/>
+                <a:sym typeface="Arial"/>
+              </a:rPr>
+              <a:t>advanced movements</a:t>
+            </a:r>
+            <a:endParaRPr sz="1600">
+              <a:latin typeface="Arial"/>
+              <a:ea typeface="Arial"/>
+              <a:cs typeface="Arial"/>
+              <a:sym typeface="Arial"/>
+            </a:endParaRPr>
+          </a:p>
+        </p:txBody>
+      </p:sp>
     </p:spTree>
   </p:cSld>
   <p:clrMapOvr>
@@ -14537,7 +16219,7 @@
   <p:cSld>
     <p:spTree>
       <p:nvGrpSpPr>
-        <p:cNvPr id="180" name="Shape 180"/>
+        <p:cNvPr id="181" name="Shape 181"/>
         <p:cNvGrpSpPr/>
         <p:nvPr/>
       </p:nvGrpSpPr>
@@ -14551,7 +16233,7 @@
       </p:grpSpPr>
       <p:sp>
         <p:nvSpPr>
-          <p:cNvPr id="181" name="Google Shape;181;p18"/>
+          <p:cNvPr id="182" name="Google Shape;182;p18"/>
           <p:cNvSpPr txBox="1"/>
           <p:nvPr>
             <p:ph type="title"/>
@@ -14591,7 +16273,7 @@
       </p:sp>
       <p:sp>
         <p:nvSpPr>
-          <p:cNvPr id="182" name="Google Shape;182;p18"/>
+          <p:cNvPr id="183" name="Google Shape;183;p18"/>
           <p:cNvSpPr txBox="1"/>
           <p:nvPr>
             <p:ph idx="1" type="body"/>
@@ -14797,7 +16479,7 @@
       </p:sp>
       <p:pic>
         <p:nvPicPr>
-          <p:cNvPr id="183" name="Google Shape;183;p18"/>
+          <p:cNvPr id="184" name="Google Shape;184;p18"/>
           <p:cNvPicPr preferRelativeResize="0"/>
           <p:nvPr/>
         </p:nvPicPr>
@@ -14825,7 +16507,7 @@
       </p:pic>
       <p:sp>
         <p:nvSpPr>
-          <p:cNvPr id="184" name="Google Shape;184;p18"/>
+          <p:cNvPr id="185" name="Google Shape;185;p18"/>
           <p:cNvSpPr txBox="1"/>
           <p:nvPr>
             <p:ph idx="1" type="body"/>
@@ -14882,7 +16564,7 @@
       </p:sp>
       <p:pic>
         <p:nvPicPr>
-          <p:cNvPr id="185" name="Google Shape;185;p18"/>
+          <p:cNvPr id="186" name="Google Shape;186;p18"/>
           <p:cNvPicPr preferRelativeResize="0"/>
           <p:nvPr/>
         </p:nvPicPr>
@@ -14920,7 +16602,7 @@
   <p:cSld>
     <p:spTree>
       <p:nvGrpSpPr>
-        <p:cNvPr id="189" name="Shape 189"/>
+        <p:cNvPr id="190" name="Shape 190"/>
         <p:cNvGrpSpPr/>
         <p:nvPr/>
       </p:nvGrpSpPr>
@@ -14934,7 +16616,7 @@
       </p:grpSpPr>
       <p:sp>
         <p:nvSpPr>
-          <p:cNvPr id="190" name="Google Shape;190;p19"/>
+          <p:cNvPr id="191" name="Google Shape;191;p19"/>
           <p:cNvSpPr txBox="1"/>
           <p:nvPr>
             <p:ph type="title"/>
@@ -14974,7 +16656,7 @@
       </p:sp>
       <p:sp>
         <p:nvSpPr>
-          <p:cNvPr id="191" name="Google Shape;191;p19"/>
+          <p:cNvPr id="192" name="Google Shape;192;p19"/>
           <p:cNvSpPr txBox="1"/>
           <p:nvPr>
             <p:ph idx="1" type="body"/>
@@ -15180,7 +16862,7 @@
       </p:sp>
       <p:pic>
         <p:nvPicPr>
-          <p:cNvPr id="192" name="Google Shape;192;p19"/>
+          <p:cNvPr id="193" name="Google Shape;193;p19"/>
           <p:cNvPicPr preferRelativeResize="0"/>
           <p:nvPr/>
         </p:nvPicPr>
@@ -15208,7 +16890,7 @@
       </p:pic>
       <p:sp>
         <p:nvSpPr>
-          <p:cNvPr id="193" name="Google Shape;193;p19"/>
+          <p:cNvPr id="194" name="Google Shape;194;p19"/>
           <p:cNvSpPr txBox="1"/>
           <p:nvPr>
             <p:ph idx="1" type="body"/>
@@ -15265,7 +16947,7 @@
       </p:sp>
       <p:pic>
         <p:nvPicPr>
-          <p:cNvPr id="194" name="Google Shape;194;p19"/>
+          <p:cNvPr id="195" name="Google Shape;195;p19"/>
           <p:cNvPicPr preferRelativeResize="0"/>
           <p:nvPr/>
         </p:nvPicPr>
@@ -15303,7 +16985,7 @@
   <p:cSld>
     <p:spTree>
       <p:nvGrpSpPr>
-        <p:cNvPr id="198" name="Shape 198"/>
+        <p:cNvPr id="199" name="Shape 199"/>
         <p:cNvGrpSpPr/>
         <p:nvPr/>
       </p:nvGrpSpPr>
@@ -15317,7 +16999,7 @@
       </p:grpSpPr>
       <p:sp>
         <p:nvSpPr>
-          <p:cNvPr id="199" name="Google Shape;199;p20"/>
+          <p:cNvPr id="200" name="Google Shape;200;p20"/>
           <p:cNvSpPr txBox="1"/>
           <p:nvPr>
             <p:ph idx="1" type="subTitle"/>
@@ -15373,7 +17055,7 @@
       </p:sp>
       <p:pic>
         <p:nvPicPr>
-          <p:cNvPr id="200" name="Google Shape;200;p20"/>
+          <p:cNvPr id="201" name="Google Shape;201;p20"/>
           <p:cNvPicPr preferRelativeResize="0"/>
           <p:nvPr/>
         </p:nvPicPr>
@@ -15401,7 +17083,7 @@
       </p:pic>
       <p:sp>
         <p:nvSpPr>
-          <p:cNvPr id="201" name="Google Shape;201;p20"/>
+          <p:cNvPr id="202" name="Google Shape;202;p20"/>
           <p:cNvSpPr txBox="1"/>
           <p:nvPr>
             <p:ph idx="4294967295" type="body"/>
@@ -15458,7 +17140,7 @@
       </p:sp>
       <p:pic>
         <p:nvPicPr>
-          <p:cNvPr id="202" name="Google Shape;202;p20"/>
+          <p:cNvPr id="203" name="Google Shape;203;p20"/>
           <p:cNvPicPr preferRelativeResize="0"/>
           <p:nvPr/>
         </p:nvPicPr>
@@ -15497,7 +17179,7 @@
   <p:cSld>
     <p:spTree>
       <p:nvGrpSpPr>
-        <p:cNvPr id="206" name="Shape 206"/>
+        <p:cNvPr id="207" name="Shape 207"/>
         <p:cNvGrpSpPr/>
         <p:nvPr/>
       </p:nvGrpSpPr>
@@ -15511,7 +17193,92 @@
       </p:grpSpPr>
       <p:sp>
         <p:nvSpPr>
-          <p:cNvPr id="207" name="Google Shape;207;p21"/>
+          <p:cNvPr id="208" name="Google Shape;208;p21"/>
+          <p:cNvSpPr txBox="1"/>
+          <p:nvPr>
+            <p:ph idx="4294967295" type="body"/>
+          </p:nvPr>
+        </p:nvSpPr>
+        <p:spPr>
+          <a:xfrm>
+            <a:off x="8075700" y="0"/>
+            <a:ext cx="1068300" cy="343500"/>
+          </a:xfrm>
+          <a:prstGeom prst="rect">
+            <a:avLst/>
+          </a:prstGeom>
+        </p:spPr>
+        <p:txBody>
+          <a:bodyPr anchorCtr="0" anchor="t" bIns="91425" lIns="91425" spcFirstLastPara="1" rIns="91425" wrap="square" tIns="91425">
+            <a:noAutofit/>
+          </a:bodyPr>
+          <a:lstStyle/>
+          <a:p>
+            <a:pPr indent="0" lvl="0" marL="0" rtl="0" algn="just">
+              <a:spcBef>
+                <a:spcPts val="0"/>
+              </a:spcBef>
+              <a:spcAft>
+                <a:spcPts val="0"/>
+              </a:spcAft>
+              <a:buClr>
+                <a:srgbClr val="000000"/>
+              </a:buClr>
+              <a:buSzPts val="1100"/>
+              <a:buFont typeface="Arial"/>
+              <a:buNone/>
+            </a:pPr>
+            <a:r>
+              <a:rPr lang="en">
+                <a:solidFill>
+                  <a:srgbClr val="FFFFFF"/>
+                </a:solidFill>
+                <a:latin typeface="Arial"/>
+                <a:ea typeface="Arial"/>
+                <a:cs typeface="Arial"/>
+                <a:sym typeface="Arial"/>
+              </a:rPr>
+              <a:t>8</a:t>
+            </a:r>
+            <a:endParaRPr>
+              <a:solidFill>
+                <a:srgbClr val="FFFFFF"/>
+              </a:solidFill>
+            </a:endParaRPr>
+          </a:p>
+        </p:txBody>
+      </p:sp>
+      <p:pic>
+        <p:nvPicPr>
+          <p:cNvPr id="209" name="Google Shape;209;p21"/>
+          <p:cNvPicPr preferRelativeResize="0"/>
+          <p:nvPr/>
+        </p:nvPicPr>
+        <p:blipFill>
+          <a:blip r:embed="rId3">
+            <a:alphaModFix/>
+          </a:blip>
+          <a:stretch>
+            <a:fillRect/>
+          </a:stretch>
+        </p:blipFill>
+        <p:spPr>
+          <a:xfrm>
+            <a:off x="961350" y="958200"/>
+            <a:ext cx="7221302" cy="3873925"/>
+          </a:xfrm>
+          <a:prstGeom prst="rect">
+            <a:avLst/>
+          </a:prstGeom>
+          <a:noFill/>
+          <a:ln>
+            <a:noFill/>
+          </a:ln>
+        </p:spPr>
+      </p:pic>
+      <p:sp>
+        <p:nvSpPr>
+          <p:cNvPr id="210" name="Google Shape;210;p21"/>
           <p:cNvSpPr txBox="1"/>
           <p:nvPr>
             <p:ph type="title"/>
@@ -15543,322 +17310,9 @@
             </a:pPr>
             <a:r>
               <a:rPr lang="en"/>
-              <a:t>Steps for </a:t>
-            </a:r>
-            <a:r>
-              <a:rPr lang="en"/>
-              <a:t>Creating a NAO module:</a:t>
+              <a:t>The Choregraphe Environment</a:t>
             </a:r>
             <a:endParaRPr/>
-          </a:p>
-        </p:txBody>
-      </p:sp>
-      <p:sp>
-        <p:nvSpPr>
-          <p:cNvPr id="208" name="Google Shape;208;p21"/>
-          <p:cNvSpPr txBox="1"/>
-          <p:nvPr>
-            <p:ph idx="1" type="body"/>
-          </p:nvPr>
-        </p:nvSpPr>
-        <p:spPr>
-          <a:xfrm>
-            <a:off x="1297500" y="1054625"/>
-            <a:ext cx="7439100" cy="4006200"/>
-          </a:xfrm>
-          <a:prstGeom prst="rect">
-            <a:avLst/>
-          </a:prstGeom>
-        </p:spPr>
-        <p:txBody>
-          <a:bodyPr anchorCtr="0" anchor="t" bIns="91425" lIns="91425" spcFirstLastPara="1" rIns="91425" wrap="square" tIns="91425">
-            <a:noAutofit/>
-          </a:bodyPr>
-          <a:lstStyle/>
-          <a:p>
-            <a:pPr indent="-355600" lvl="0" marL="457200" rtl="0" algn="l">
-              <a:spcBef>
-                <a:spcPts val="0"/>
-              </a:spcBef>
-              <a:spcAft>
-                <a:spcPts val="0"/>
-              </a:spcAft>
-              <a:buSzPts val="2000"/>
-              <a:buFont typeface="Arial"/>
-              <a:buChar char="●"/>
-            </a:pPr>
-            <a:r>
-              <a:rPr lang="en" sz="2000">
-                <a:latin typeface="Arial"/>
-                <a:ea typeface="Arial"/>
-                <a:cs typeface="Arial"/>
-                <a:sym typeface="Arial"/>
-              </a:rPr>
-              <a:t>Create a new Python “box” in a Choregraphe workbench</a:t>
-            </a:r>
-            <a:endParaRPr sz="2000">
-              <a:latin typeface="Arial"/>
-              <a:ea typeface="Arial"/>
-              <a:cs typeface="Arial"/>
-              <a:sym typeface="Arial"/>
-            </a:endParaRPr>
-          </a:p>
-          <a:p>
-            <a:pPr indent="0" lvl="0" marL="0" rtl="0" algn="l">
-              <a:spcBef>
-                <a:spcPts val="0"/>
-              </a:spcBef>
-              <a:spcAft>
-                <a:spcPts val="0"/>
-              </a:spcAft>
-              <a:buNone/>
-            </a:pPr>
-            <a:r>
-              <a:t/>
-            </a:r>
-            <a:endParaRPr sz="2000">
-              <a:latin typeface="Arial"/>
-              <a:ea typeface="Arial"/>
-              <a:cs typeface="Arial"/>
-              <a:sym typeface="Arial"/>
-            </a:endParaRPr>
-          </a:p>
-          <a:p>
-            <a:pPr indent="-355600" lvl="0" marL="457200" rtl="0" algn="l">
-              <a:spcBef>
-                <a:spcPts val="0"/>
-              </a:spcBef>
-              <a:spcAft>
-                <a:spcPts val="0"/>
-              </a:spcAft>
-              <a:buSzPts val="2000"/>
-              <a:buFont typeface="Arial"/>
-              <a:buChar char="●"/>
-            </a:pPr>
-            <a:r>
-              <a:rPr lang="en" sz="2000">
-                <a:latin typeface="Arial"/>
-                <a:ea typeface="Arial"/>
-                <a:cs typeface="Arial"/>
-                <a:sym typeface="Arial"/>
-              </a:rPr>
-              <a:t>By default, 5 new functions will be created</a:t>
-            </a:r>
-            <a:endParaRPr sz="2000">
-              <a:latin typeface="Arial"/>
-              <a:ea typeface="Arial"/>
-              <a:cs typeface="Arial"/>
-              <a:sym typeface="Arial"/>
-            </a:endParaRPr>
-          </a:p>
-          <a:p>
-            <a:pPr indent="-355600" lvl="1" marL="914400" rtl="0" algn="l">
-              <a:spcBef>
-                <a:spcPts val="0"/>
-              </a:spcBef>
-              <a:spcAft>
-                <a:spcPts val="0"/>
-              </a:spcAft>
-              <a:buSzPts val="2000"/>
-              <a:buFont typeface="Arial"/>
-              <a:buChar char="○"/>
-            </a:pPr>
-            <a:r>
-              <a:rPr lang="en" sz="2000">
-                <a:latin typeface="Arial"/>
-                <a:ea typeface="Arial"/>
-                <a:cs typeface="Arial"/>
-                <a:sym typeface="Arial"/>
-              </a:rPr>
-              <a:t>_init_, onLoad, onUnload, onInput_onStart, onInput_onStop</a:t>
-            </a:r>
-            <a:endParaRPr sz="2000">
-              <a:latin typeface="Arial"/>
-              <a:ea typeface="Arial"/>
-              <a:cs typeface="Arial"/>
-              <a:sym typeface="Arial"/>
-            </a:endParaRPr>
-          </a:p>
-          <a:p>
-            <a:pPr indent="0" lvl="0" marL="457200" rtl="0" algn="l">
-              <a:spcBef>
-                <a:spcPts val="0"/>
-              </a:spcBef>
-              <a:spcAft>
-                <a:spcPts val="0"/>
-              </a:spcAft>
-              <a:buNone/>
-            </a:pPr>
-            <a:r>
-              <a:t/>
-            </a:r>
-            <a:endParaRPr sz="2000">
-              <a:latin typeface="Arial"/>
-              <a:ea typeface="Arial"/>
-              <a:cs typeface="Arial"/>
-              <a:sym typeface="Arial"/>
-            </a:endParaRPr>
-          </a:p>
-          <a:p>
-            <a:pPr indent="-355600" lvl="0" marL="457200" rtl="0" algn="l">
-              <a:spcBef>
-                <a:spcPts val="0"/>
-              </a:spcBef>
-              <a:spcAft>
-                <a:spcPts val="0"/>
-              </a:spcAft>
-              <a:buSzPts val="2000"/>
-              <a:buFont typeface="Arial"/>
-              <a:buChar char="●"/>
-            </a:pPr>
-            <a:r>
-              <a:rPr lang="en" sz="2000">
-                <a:latin typeface="Arial"/>
-                <a:ea typeface="Arial"/>
-                <a:cs typeface="Arial"/>
-                <a:sym typeface="Arial"/>
-              </a:rPr>
-              <a:t>Write new Python script in the “onInput_onStart” function.</a:t>
-            </a:r>
-            <a:endParaRPr sz="2000">
-              <a:latin typeface="Arial"/>
-              <a:ea typeface="Arial"/>
-              <a:cs typeface="Arial"/>
-              <a:sym typeface="Arial"/>
-            </a:endParaRPr>
-          </a:p>
-          <a:p>
-            <a:pPr indent="0" lvl="0" marL="457200" rtl="0" algn="l">
-              <a:spcBef>
-                <a:spcPts val="0"/>
-              </a:spcBef>
-              <a:spcAft>
-                <a:spcPts val="0"/>
-              </a:spcAft>
-              <a:buNone/>
-            </a:pPr>
-            <a:r>
-              <a:t/>
-            </a:r>
-            <a:endParaRPr sz="2000">
-              <a:latin typeface="Arial"/>
-              <a:ea typeface="Arial"/>
-              <a:cs typeface="Arial"/>
-              <a:sym typeface="Arial"/>
-            </a:endParaRPr>
-          </a:p>
-          <a:p>
-            <a:pPr indent="-355600" lvl="0" marL="457200" rtl="0" algn="l">
-              <a:spcBef>
-                <a:spcPts val="0"/>
-              </a:spcBef>
-              <a:spcAft>
-                <a:spcPts val="0"/>
-              </a:spcAft>
-              <a:buSzPts val="2000"/>
-              <a:buFont typeface="Arial"/>
-              <a:buChar char="●"/>
-            </a:pPr>
-            <a:r>
-              <a:rPr lang="en" sz="2000">
-                <a:latin typeface="Arial"/>
-                <a:ea typeface="Arial"/>
-                <a:cs typeface="Arial"/>
-                <a:sym typeface="Arial"/>
-              </a:rPr>
-              <a:t>Simply press “Play”!</a:t>
-            </a:r>
-            <a:endParaRPr sz="2000">
-              <a:latin typeface="Arial"/>
-              <a:ea typeface="Arial"/>
-              <a:cs typeface="Arial"/>
-              <a:sym typeface="Arial"/>
-            </a:endParaRPr>
-          </a:p>
-        </p:txBody>
-      </p:sp>
-      <p:pic>
-        <p:nvPicPr>
-          <p:cNvPr id="209" name="Google Shape;209;p21"/>
-          <p:cNvPicPr preferRelativeResize="0"/>
-          <p:nvPr/>
-        </p:nvPicPr>
-        <p:blipFill>
-          <a:blip r:embed="rId3">
-            <a:alphaModFix/>
-          </a:blip>
-          <a:stretch>
-            <a:fillRect/>
-          </a:stretch>
-        </p:blipFill>
-        <p:spPr>
-          <a:xfrm>
-            <a:off x="7532575" y="4098425"/>
-            <a:ext cx="1917650" cy="1438251"/>
-          </a:xfrm>
-          <a:prstGeom prst="rect">
-            <a:avLst/>
-          </a:prstGeom>
-          <a:noFill/>
-          <a:ln>
-            <a:noFill/>
-          </a:ln>
-        </p:spPr>
-      </p:pic>
-      <p:sp>
-        <p:nvSpPr>
-          <p:cNvPr id="210" name="Google Shape;210;p21"/>
-          <p:cNvSpPr txBox="1"/>
-          <p:nvPr>
-            <p:ph idx="1" type="body"/>
-          </p:nvPr>
-        </p:nvSpPr>
-        <p:spPr>
-          <a:xfrm>
-            <a:off x="8075700" y="0"/>
-            <a:ext cx="1068300" cy="343500"/>
-          </a:xfrm>
-          <a:prstGeom prst="rect">
-            <a:avLst/>
-          </a:prstGeom>
-        </p:spPr>
-        <p:txBody>
-          <a:bodyPr anchorCtr="0" anchor="t" bIns="91425" lIns="91425" spcFirstLastPara="1" rIns="91425" wrap="square" tIns="91425">
-            <a:noAutofit/>
-          </a:bodyPr>
-          <a:lstStyle/>
-          <a:p>
-            <a:pPr indent="0" lvl="0" marL="0" rtl="0" algn="just">
-              <a:spcBef>
-                <a:spcPts val="0"/>
-              </a:spcBef>
-              <a:spcAft>
-                <a:spcPts val="0"/>
-              </a:spcAft>
-              <a:buClr>
-                <a:srgbClr val="000000"/>
-              </a:buClr>
-              <a:buSzPts val="1100"/>
-              <a:buFont typeface="Arial"/>
-              <a:buNone/>
-            </a:pPr>
-            <a:r>
-              <a:rPr lang="en">
-                <a:solidFill>
-                  <a:srgbClr val="FFFFFF"/>
-                </a:solidFill>
-                <a:latin typeface="Arial"/>
-                <a:ea typeface="Arial"/>
-                <a:cs typeface="Arial"/>
-                <a:sym typeface="Arial"/>
-              </a:rPr>
-              <a:t>8</a:t>
-            </a:r>
-            <a:endParaRPr>
-              <a:solidFill>
-                <a:srgbClr val="FFFFFF"/>
-              </a:solidFill>
-            </a:endParaRPr>
           </a:p>
         </p:txBody>
       </p:sp>
